--- a/Final_Presentation/06_gun_violence_presentation.pptx
+++ b/Final_Presentation/06_gun_violence_presentation.pptx
@@ -27,24 +27,23 @@
     <p:sldId id="272" r:id="rId23"/>
     <p:sldId id="273" r:id="rId24"/>
     <p:sldId id="274" r:id="rId25"/>
-    <p:sldId id="275" r:id="rId26"/>
   </p:sldIdLst>
   <p:sldSz cy="5143500" cx="9144000"/>
   <p:notesSz cx="6858000" cy="9144000"/>
   <p:embeddedFontLst>
     <p:embeddedFont>
       <p:font typeface="Raleway"/>
-      <p:regular r:id="rId27"/>
-      <p:bold r:id="rId28"/>
-      <p:italic r:id="rId29"/>
-      <p:boldItalic r:id="rId30"/>
+      <p:regular r:id="rId26"/>
+      <p:bold r:id="rId27"/>
+      <p:italic r:id="rId28"/>
+      <p:boldItalic r:id="rId29"/>
     </p:embeddedFont>
     <p:embeddedFont>
       <p:font typeface="Lato"/>
-      <p:regular r:id="rId31"/>
-      <p:bold r:id="rId32"/>
-      <p:italic r:id="rId33"/>
-      <p:boldItalic r:id="rId34"/>
+      <p:regular r:id="rId30"/>
+      <p:bold r:id="rId31"/>
+      <p:italic r:id="rId32"/>
+      <p:boldItalic r:id="rId33"/>
     </p:embeddedFont>
   </p:embeddedFontLst>
   <p:defaultTextStyle>
@@ -794,7 +793,7 @@
           </a:bodyPr>
           <a:lstStyle/>
           <a:p>
-            <a:pPr indent="0" lvl="0" marL="0">
+            <a:pPr indent="0" lvl="0" marL="0" rtl="0" algn="l">
               <a:spcBef>
                 <a:spcPts val="0"/>
               </a:spcBef>
@@ -893,7 +892,7 @@
           </a:bodyPr>
           <a:lstStyle/>
           <a:p>
-            <a:pPr indent="0" lvl="0" marL="0">
+            <a:pPr indent="0" lvl="0" marL="0" rtl="0" algn="l">
               <a:spcBef>
                 <a:spcPts val="0"/>
               </a:spcBef>
@@ -992,7 +991,7 @@
           </a:bodyPr>
           <a:lstStyle/>
           <a:p>
-            <a:pPr indent="0" lvl="0" marL="0">
+            <a:pPr indent="0" lvl="0" marL="0" rtl="0" algn="l">
               <a:spcBef>
                 <a:spcPts val="0"/>
               </a:spcBef>
@@ -1035,7 +1034,7 @@
       </p:grpSpPr>
       <p:sp>
         <p:nvSpPr>
-          <p:cNvPr id="176" name="Google Shape;176;g40bb557dc0_0_148:notes"/>
+          <p:cNvPr id="176" name="Google Shape;176;g40bb557dc0_0_163:notes"/>
           <p:cNvSpPr/>
           <p:nvPr>
             <p:ph idx="2" type="sldImg"/>
@@ -1070,7 +1069,7 @@
       </p:sp>
       <p:sp>
         <p:nvSpPr>
-          <p:cNvPr id="177" name="Google Shape;177;g40bb557dc0_0_148:notes"/>
+          <p:cNvPr id="177" name="Google Shape;177;g40bb557dc0_0_163:notes"/>
           <p:cNvSpPr txBox="1"/>
           <p:nvPr>
             <p:ph idx="1" type="body"/>
@@ -1091,7 +1090,7 @@
           </a:bodyPr>
           <a:lstStyle/>
           <a:p>
-            <a:pPr indent="0" lvl="0" marL="0">
+            <a:pPr indent="0" lvl="0" marL="0" rtl="0" algn="l">
               <a:spcBef>
                 <a:spcPts val="0"/>
               </a:spcBef>
@@ -1134,7 +1133,7 @@
       </p:grpSpPr>
       <p:sp>
         <p:nvSpPr>
-          <p:cNvPr id="184" name="Google Shape;184;g40bb557dc0_0_163:notes"/>
+          <p:cNvPr id="184" name="Google Shape;184;g40c4b86fda_0_1:notes"/>
           <p:cNvSpPr/>
           <p:nvPr>
             <p:ph idx="2" type="sldImg"/>
@@ -1169,7 +1168,7 @@
       </p:sp>
       <p:sp>
         <p:nvSpPr>
-          <p:cNvPr id="185" name="Google Shape;185;g40bb557dc0_0_163:notes"/>
+          <p:cNvPr id="185" name="Google Shape;185;g40c4b86fda_0_1:notes"/>
           <p:cNvSpPr txBox="1"/>
           <p:nvPr>
             <p:ph idx="1" type="body"/>
@@ -1190,7 +1189,7 @@
           </a:bodyPr>
           <a:lstStyle/>
           <a:p>
-            <a:pPr indent="0" lvl="0" marL="0">
+            <a:pPr indent="0" lvl="0" marL="0" rtl="0" algn="l">
               <a:spcBef>
                 <a:spcPts val="0"/>
               </a:spcBef>
@@ -1219,7 +1218,7 @@
   <p:cSld>
     <p:spTree>
       <p:nvGrpSpPr>
-        <p:cNvPr id="191" name="Shape 191"/>
+        <p:cNvPr id="192" name="Shape 192"/>
         <p:cNvGrpSpPr/>
         <p:nvPr/>
       </p:nvGrpSpPr>
@@ -1233,7 +1232,7 @@
       </p:grpSpPr>
       <p:sp>
         <p:nvSpPr>
-          <p:cNvPr id="192" name="Google Shape;192;g40c4b86fda_0_1:notes"/>
+          <p:cNvPr id="193" name="Google Shape;193;g40c4b86fda_0_7:notes"/>
           <p:cNvSpPr/>
           <p:nvPr>
             <p:ph idx="2" type="sldImg"/>
@@ -1268,7 +1267,7 @@
       </p:sp>
       <p:sp>
         <p:nvSpPr>
-          <p:cNvPr id="193" name="Google Shape;193;g40c4b86fda_0_1:notes"/>
+          <p:cNvPr id="194" name="Google Shape;194;g40c4b86fda_0_7:notes"/>
           <p:cNvSpPr txBox="1"/>
           <p:nvPr>
             <p:ph idx="1" type="body"/>
@@ -1289,7 +1288,7 @@
           </a:bodyPr>
           <a:lstStyle/>
           <a:p>
-            <a:pPr indent="0" lvl="0" marL="0">
+            <a:pPr indent="0" lvl="0" marL="0" rtl="0" algn="l">
               <a:spcBef>
                 <a:spcPts val="0"/>
               </a:spcBef>
@@ -1318,7 +1317,7 @@
   <p:cSld>
     <p:spTree>
       <p:nvGrpSpPr>
-        <p:cNvPr id="200" name="Shape 200"/>
+        <p:cNvPr id="201" name="Shape 201"/>
         <p:cNvGrpSpPr/>
         <p:nvPr/>
       </p:nvGrpSpPr>
@@ -1332,7 +1331,7 @@
       </p:grpSpPr>
       <p:sp>
         <p:nvSpPr>
-          <p:cNvPr id="201" name="Google Shape;201;g40c4b86fda_0_7:notes"/>
+          <p:cNvPr id="202" name="Google Shape;202;g40c4b86fda_0_31:notes"/>
           <p:cNvSpPr/>
           <p:nvPr>
             <p:ph idx="2" type="sldImg"/>
@@ -1367,7 +1366,7 @@
       </p:sp>
       <p:sp>
         <p:nvSpPr>
-          <p:cNvPr id="202" name="Google Shape;202;g40c4b86fda_0_7:notes"/>
+          <p:cNvPr id="203" name="Google Shape;203;g40c4b86fda_0_31:notes"/>
           <p:cNvSpPr txBox="1"/>
           <p:nvPr>
             <p:ph idx="1" type="body"/>
@@ -1388,7 +1387,7 @@
           </a:bodyPr>
           <a:lstStyle/>
           <a:p>
-            <a:pPr indent="0" lvl="0" marL="0">
+            <a:pPr indent="0" lvl="0" marL="0" rtl="0" algn="l">
               <a:spcBef>
                 <a:spcPts val="0"/>
               </a:spcBef>
@@ -1431,7 +1430,7 @@
       </p:grpSpPr>
       <p:sp>
         <p:nvSpPr>
-          <p:cNvPr id="210" name="Google Shape;210;g40c4b86fda_0_31:notes"/>
+          <p:cNvPr id="210" name="Google Shape;210;g40bd92af85_0_7:notes"/>
           <p:cNvSpPr/>
           <p:nvPr>
             <p:ph idx="2" type="sldImg"/>
@@ -1466,7 +1465,7 @@
       </p:sp>
       <p:sp>
         <p:nvSpPr>
-          <p:cNvPr id="211" name="Google Shape;211;g40c4b86fda_0_31:notes"/>
+          <p:cNvPr id="211" name="Google Shape;211;g40bd92af85_0_7:notes"/>
           <p:cNvSpPr txBox="1"/>
           <p:nvPr>
             <p:ph idx="1" type="body"/>
@@ -1487,7 +1486,7 @@
           </a:bodyPr>
           <a:lstStyle/>
           <a:p>
-            <a:pPr indent="0" lvl="0" marL="0" rtl="0">
+            <a:pPr indent="0" lvl="0" marL="0" rtl="0" algn="l">
               <a:spcBef>
                 <a:spcPts val="0"/>
               </a:spcBef>
@@ -1516,7 +1515,7 @@
   <p:cSld>
     <p:spTree>
       <p:nvGrpSpPr>
-        <p:cNvPr id="217" name="Shape 217"/>
+        <p:cNvPr id="220" name="Shape 220"/>
         <p:cNvGrpSpPr/>
         <p:nvPr/>
       </p:nvGrpSpPr>
@@ -1530,7 +1529,7 @@
       </p:grpSpPr>
       <p:sp>
         <p:nvSpPr>
-          <p:cNvPr id="218" name="Google Shape;218;g40bd92af85_0_7:notes"/>
+          <p:cNvPr id="221" name="Google Shape;221;g40c4b86fda_0_13:notes"/>
           <p:cNvSpPr/>
           <p:nvPr>
             <p:ph idx="2" type="sldImg"/>
@@ -1565,7 +1564,7 @@
       </p:sp>
       <p:sp>
         <p:nvSpPr>
-          <p:cNvPr id="219" name="Google Shape;219;g40bd92af85_0_7:notes"/>
+          <p:cNvPr id="222" name="Google Shape;222;g40c4b86fda_0_13:notes"/>
           <p:cNvSpPr txBox="1"/>
           <p:nvPr>
             <p:ph idx="1" type="body"/>
@@ -1586,7 +1585,7 @@
           </a:bodyPr>
           <a:lstStyle/>
           <a:p>
-            <a:pPr indent="0" lvl="0" marL="0">
+            <a:pPr indent="0" lvl="0" marL="0" rtl="0" algn="l">
               <a:spcBef>
                 <a:spcPts val="0"/>
               </a:spcBef>
@@ -1615,7 +1614,7 @@
   <p:cSld>
     <p:spTree>
       <p:nvGrpSpPr>
-        <p:cNvPr id="227" name="Shape 227"/>
+        <p:cNvPr id="229" name="Shape 229"/>
         <p:cNvGrpSpPr/>
         <p:nvPr/>
       </p:nvGrpSpPr>
@@ -1629,7 +1628,7 @@
       </p:grpSpPr>
       <p:sp>
         <p:nvSpPr>
-          <p:cNvPr id="228" name="Google Shape;228;g40c4b86fda_0_13:notes"/>
+          <p:cNvPr id="230" name="Google Shape;230;g40c4b86fda_0_19:notes"/>
           <p:cNvSpPr/>
           <p:nvPr>
             <p:ph idx="2" type="sldImg"/>
@@ -1664,7 +1663,7 @@
       </p:sp>
       <p:sp>
         <p:nvSpPr>
-          <p:cNvPr id="229" name="Google Shape;229;g40c4b86fda_0_13:notes"/>
+          <p:cNvPr id="231" name="Google Shape;231;g40c4b86fda_0_19:notes"/>
           <p:cNvSpPr txBox="1"/>
           <p:nvPr>
             <p:ph idx="1" type="body"/>
@@ -1685,7 +1684,7 @@
           </a:bodyPr>
           <a:lstStyle/>
           <a:p>
-            <a:pPr indent="0" lvl="0" marL="0">
+            <a:pPr indent="0" lvl="0" marL="0" rtl="0" algn="l">
               <a:spcBef>
                 <a:spcPts val="0"/>
               </a:spcBef>
@@ -1728,7 +1727,7 @@
       </p:grpSpPr>
       <p:sp>
         <p:nvSpPr>
-          <p:cNvPr id="237" name="Google Shape;237;g40c4b86fda_0_19:notes"/>
+          <p:cNvPr id="237" name="Google Shape;237;g40bb557dc0_0_4:notes"/>
           <p:cNvSpPr/>
           <p:nvPr>
             <p:ph idx="2" type="sldImg"/>
@@ -1763,7 +1762,7 @@
       </p:sp>
       <p:sp>
         <p:nvSpPr>
-          <p:cNvPr id="238" name="Google Shape;238;g40c4b86fda_0_19:notes"/>
+          <p:cNvPr id="238" name="Google Shape;238;g40bb557dc0_0_4:notes"/>
           <p:cNvSpPr txBox="1"/>
           <p:nvPr>
             <p:ph idx="1" type="body"/>
@@ -1784,7 +1783,7 @@
           </a:bodyPr>
           <a:lstStyle/>
           <a:p>
-            <a:pPr indent="0" lvl="0" marL="0">
+            <a:pPr indent="0" lvl="0" marL="0" rtl="0" algn="l">
               <a:spcBef>
                 <a:spcPts val="0"/>
               </a:spcBef>
@@ -1883,106 +1882,7 @@
           </a:bodyPr>
           <a:lstStyle/>
           <a:p>
-            <a:pPr indent="0" lvl="0" marL="0">
-              <a:spcBef>
-                <a:spcPts val="0"/>
-              </a:spcBef>
-              <a:spcAft>
-                <a:spcPts val="0"/>
-              </a:spcAft>
-              <a:buNone/>
-            </a:pPr>
-            <a:r>
-              <a:t/>
-            </a:r>
-            <a:endParaRPr/>
-          </a:p>
-        </p:txBody>
-      </p:sp>
-    </p:spTree>
-  </p:cSld>
-  <p:clrMapOvr>
-    <a:masterClrMapping/>
-  </p:clrMapOvr>
-</p:notes>
-</file>
-
-<file path=ppt/notesSlides/notesSlide20.xml><?xml version="1.0" encoding="utf-8"?>
-<p:notes xmlns:a="http://schemas.openxmlformats.org/drawingml/2006/main" xmlns:r="http://schemas.openxmlformats.org/officeDocument/2006/relationships" xmlns:mc="http://schemas.openxmlformats.org/markup-compatibility/2006" xmlns:mv="urn:schemas-microsoft-com:mac:vml" xmlns:p="http://schemas.openxmlformats.org/presentationml/2006/main" xmlns:c="http://schemas.openxmlformats.org/drawingml/2006/chart" xmlns:dgm="http://schemas.openxmlformats.org/drawingml/2006/diagram" xmlns:o="urn:schemas-microsoft-com:office:office" xmlns:v="urn:schemas-microsoft-com:vml" xmlns:pvml="urn:schemas-microsoft-com:office:powerpoint" xmlns:com="http://schemas.openxmlformats.org/drawingml/2006/compatibility" xmlns:p14="http://schemas.microsoft.com/office/powerpoint/2010/main" xmlns:p15="http://schemas.microsoft.com/office/powerpoint/2012/main" showMasterPhAnim="0" showMasterSp="0">
-  <p:cSld>
-    <p:spTree>
-      <p:nvGrpSpPr>
-        <p:cNvPr id="243" name="Shape 243"/>
-        <p:cNvGrpSpPr/>
-        <p:nvPr/>
-      </p:nvGrpSpPr>
-      <p:grpSpPr>
-        <a:xfrm>
-          <a:off x="0" y="0"/>
-          <a:ext cx="0" cy="0"/>
-          <a:chOff x="0" y="0"/>
-          <a:chExt cx="0" cy="0"/>
-        </a:xfrm>
-      </p:grpSpPr>
-      <p:sp>
-        <p:nvSpPr>
-          <p:cNvPr id="244" name="Google Shape;244;g40bb557dc0_0_4:notes"/>
-          <p:cNvSpPr/>
-          <p:nvPr>
-            <p:ph idx="2" type="sldImg"/>
-          </p:nvPr>
-        </p:nvSpPr>
-        <p:spPr>
-          <a:xfrm>
-            <a:off x="381300" y="685800"/>
-            <a:ext cx="6096000" cy="3429000"/>
-          </a:xfrm>
-          <a:custGeom>
-            <a:rect b="b" l="l" r="r" t="t"/>
-            <a:pathLst>
-              <a:path extrusionOk="0" h="120000" w="120000">
-                <a:moveTo>
-                  <a:pt x="0" y="0"/>
-                </a:moveTo>
-                <a:lnTo>
-                  <a:pt x="120000" y="0"/>
-                </a:lnTo>
-                <a:lnTo>
-                  <a:pt x="120000" y="120000"/>
-                </a:lnTo>
-                <a:lnTo>
-                  <a:pt x="0" y="120000"/>
-                </a:lnTo>
-                <a:close/>
-              </a:path>
-            </a:pathLst>
-          </a:custGeom>
-        </p:spPr>
-      </p:sp>
-      <p:sp>
-        <p:nvSpPr>
-          <p:cNvPr id="245" name="Google Shape;245;g40bb557dc0_0_4:notes"/>
-          <p:cNvSpPr txBox="1"/>
-          <p:nvPr>
-            <p:ph idx="1" type="body"/>
-          </p:nvPr>
-        </p:nvSpPr>
-        <p:spPr>
-          <a:xfrm>
-            <a:off x="685800" y="4343400"/>
-            <a:ext cx="5486400" cy="4114800"/>
-          </a:xfrm>
-          <a:prstGeom prst="rect">
-            <a:avLst/>
-          </a:prstGeom>
-        </p:spPr>
-        <p:txBody>
-          <a:bodyPr anchorCtr="0" anchor="t" bIns="91425" lIns="91425" spcFirstLastPara="1" rIns="91425" wrap="square" tIns="91425">
-            <a:noAutofit/>
-          </a:bodyPr>
-          <a:lstStyle/>
-          <a:p>
-            <a:pPr indent="0" lvl="0" marL="0">
+            <a:pPr indent="0" lvl="0" marL="0" rtl="0" algn="l">
               <a:spcBef>
                 <a:spcPts val="0"/>
               </a:spcBef>
@@ -2081,7 +1981,7 @@
           </a:bodyPr>
           <a:lstStyle/>
           <a:p>
-            <a:pPr indent="0" lvl="0" marL="0">
+            <a:pPr indent="0" lvl="0" marL="0" rtl="0" algn="l">
               <a:spcBef>
                 <a:spcPts val="0"/>
               </a:spcBef>
@@ -2180,7 +2080,7 @@
           </a:bodyPr>
           <a:lstStyle/>
           <a:p>
-            <a:pPr indent="0" lvl="0" marL="0">
+            <a:pPr indent="0" lvl="0" marL="0" rtl="0" algn="l">
               <a:spcBef>
                 <a:spcPts val="0"/>
               </a:spcBef>
@@ -2279,7 +2179,7 @@
           </a:bodyPr>
           <a:lstStyle/>
           <a:p>
-            <a:pPr indent="0" lvl="0" marL="0">
+            <a:pPr indent="0" lvl="0" marL="0" rtl="0" algn="l">
               <a:spcBef>
                 <a:spcPts val="0"/>
               </a:spcBef>
@@ -2378,7 +2278,7 @@
           </a:bodyPr>
           <a:lstStyle/>
           <a:p>
-            <a:pPr indent="0" lvl="0" marL="0">
+            <a:pPr indent="0" lvl="0" marL="0" rtl="0" algn="l">
               <a:spcBef>
                 <a:spcPts val="0"/>
               </a:spcBef>
@@ -2477,7 +2377,7 @@
           </a:bodyPr>
           <a:lstStyle/>
           <a:p>
-            <a:pPr indent="0" lvl="0" marL="0">
+            <a:pPr indent="0" lvl="0" marL="0" rtl="0" algn="l">
               <a:spcBef>
                 <a:spcPts val="0"/>
               </a:spcBef>
@@ -2576,7 +2476,7 @@
           </a:bodyPr>
           <a:lstStyle/>
           <a:p>
-            <a:pPr indent="0" lvl="0" marL="0">
+            <a:pPr indent="0" lvl="0" marL="0" rtl="0" algn="l">
               <a:spcBef>
                 <a:spcPts val="0"/>
               </a:spcBef>
@@ -2675,7 +2575,7 @@
           </a:bodyPr>
           <a:lstStyle/>
           <a:p>
-            <a:pPr indent="0" lvl="0" marL="0">
+            <a:pPr indent="0" lvl="0" marL="0" rtl="0" algn="l">
               <a:spcBef>
                 <a:spcPts val="0"/>
               </a:spcBef>
@@ -2750,7 +2650,7 @@
           </a:bodyPr>
           <a:lstStyle/>
           <a:p>
-            <a:pPr indent="0" lvl="0" marL="0">
+            <a:pPr indent="0" lvl="0" marL="0" rtl="0" algn="l">
               <a:spcBef>
                 <a:spcPts val="0"/>
               </a:spcBef>
@@ -2807,7 +2707,7 @@
             </a:bodyPr>
             <a:lstStyle/>
             <a:p>
-              <a:pPr indent="0" lvl="0" marL="0">
+              <a:pPr indent="0" lvl="0" marL="0" rtl="0" algn="l">
                 <a:spcBef>
                   <a:spcPts val="0"/>
                 </a:spcBef>
@@ -2850,7 +2750,7 @@
             </a:bodyPr>
             <a:lstStyle/>
             <a:p>
-              <a:pPr indent="0" lvl="0" marL="0">
+              <a:pPr indent="0" lvl="0" marL="0" rtl="0" algn="l">
                 <a:spcBef>
                   <a:spcPts val="0"/>
                 </a:spcBef>
@@ -3263,7 +3163,7 @@
             </a:lvl9pPr>
           </a:lstStyle>
           <a:p>
-            <a:pPr indent="0" lvl="0" marL="0">
+            <a:pPr indent="0" lvl="0" marL="0" rtl="0" algn="r">
               <a:spcBef>
                 <a:spcPts val="0"/>
               </a:spcBef>
@@ -3353,7 +3253,7 @@
             </a:bodyPr>
             <a:lstStyle/>
             <a:p>
-              <a:pPr indent="0" lvl="0" marL="0">
+              <a:pPr indent="0" lvl="0" marL="0" rtl="0" algn="l">
                 <a:spcBef>
                   <a:spcPts val="0"/>
                 </a:spcBef>
@@ -3396,7 +3296,7 @@
             </a:bodyPr>
             <a:lstStyle/>
             <a:p>
-              <a:pPr indent="0" lvl="0" marL="0">
+              <a:pPr indent="0" lvl="0" marL="0" rtl="0" algn="l">
                 <a:spcBef>
                   <a:spcPts val="0"/>
                 </a:spcBef>
@@ -3885,7 +3785,7 @@
             </a:lvl9pPr>
           </a:lstStyle>
           <a:p>
-            <a:pPr indent="0" lvl="0" marL="0">
+            <a:pPr indent="0" lvl="0" marL="0" rtl="0" algn="r">
               <a:spcBef>
                 <a:spcPts val="0"/>
               </a:spcBef>
@@ -3987,7 +3887,7 @@
             </a:lvl9pPr>
           </a:lstStyle>
           <a:p>
-            <a:pPr indent="0" lvl="0" marL="0">
+            <a:pPr indent="0" lvl="0" marL="0" rtl="0" algn="r">
               <a:spcBef>
                 <a:spcPts val="0"/>
               </a:spcBef>
@@ -4077,7 +3977,7 @@
             </a:bodyPr>
             <a:lstStyle/>
             <a:p>
-              <a:pPr indent="0" lvl="0" marL="0">
+              <a:pPr indent="0" lvl="0" marL="0" rtl="0" algn="l">
                 <a:spcBef>
                   <a:spcPts val="0"/>
                 </a:spcBef>
@@ -4120,7 +4020,7 @@
             </a:bodyPr>
             <a:lstStyle/>
             <a:p>
-              <a:pPr indent="0" lvl="0" marL="0">
+              <a:pPr indent="0" lvl="0" marL="0" rtl="0" algn="l">
                 <a:spcBef>
                   <a:spcPts val="0"/>
                 </a:spcBef>
@@ -4419,7 +4319,7 @@
             </a:lvl9pPr>
           </a:lstStyle>
           <a:p>
-            <a:pPr indent="0" lvl="0" marL="0">
+            <a:pPr indent="0" lvl="0" marL="0" rtl="0" algn="r">
               <a:spcBef>
                 <a:spcPts val="0"/>
               </a:spcBef>
@@ -4488,7 +4388,7 @@
           </a:bodyPr>
           <a:lstStyle/>
           <a:p>
-            <a:pPr indent="0" lvl="0" marL="0">
+            <a:pPr indent="0" lvl="0" marL="0" rtl="0" algn="l">
               <a:spcBef>
                 <a:spcPts val="0"/>
               </a:spcBef>
@@ -4545,7 +4445,7 @@
             </a:bodyPr>
             <a:lstStyle/>
             <a:p>
-              <a:pPr indent="0" lvl="0" marL="0">
+              <a:pPr indent="0" lvl="0" marL="0" rtl="0" algn="l">
                 <a:spcBef>
                   <a:spcPts val="0"/>
                 </a:spcBef>
@@ -4588,7 +4488,7 @@
             </a:bodyPr>
             <a:lstStyle/>
             <a:p>
-              <a:pPr indent="0" lvl="0" marL="0">
+              <a:pPr indent="0" lvl="0" marL="0" rtl="0" algn="l">
                 <a:spcBef>
                   <a:spcPts val="0"/>
                 </a:spcBef>
@@ -4974,7 +4874,7 @@
             </a:lvl9pPr>
           </a:lstStyle>
           <a:p>
-            <a:pPr indent="0" lvl="0" marL="0">
+            <a:pPr indent="0" lvl="0" marL="0" rtl="0" algn="r">
               <a:spcBef>
                 <a:spcPts val="0"/>
               </a:spcBef>
@@ -5043,7 +4943,7 @@
           </a:bodyPr>
           <a:lstStyle/>
           <a:p>
-            <a:pPr indent="0" lvl="0" marL="0">
+            <a:pPr indent="0" lvl="0" marL="0" rtl="0" algn="l">
               <a:spcBef>
                 <a:spcPts val="0"/>
               </a:spcBef>
@@ -5100,7 +5000,7 @@
             </a:bodyPr>
             <a:lstStyle/>
             <a:p>
-              <a:pPr indent="0" lvl="0" marL="0">
+              <a:pPr indent="0" lvl="0" marL="0" rtl="0" algn="l">
                 <a:spcBef>
                   <a:spcPts val="0"/>
                 </a:spcBef>
@@ -5143,7 +5043,7 @@
             </a:bodyPr>
             <a:lstStyle/>
             <a:p>
-              <a:pPr indent="0" lvl="0" marL="0">
+              <a:pPr indent="0" lvl="0" marL="0" rtl="0" algn="l">
                 <a:spcBef>
                   <a:spcPts val="0"/>
                 </a:spcBef>
@@ -5652,7 +5552,7 @@
             </a:lvl9pPr>
           </a:lstStyle>
           <a:p>
-            <a:pPr indent="0" lvl="0" marL="0">
+            <a:pPr indent="0" lvl="0" marL="0" rtl="0" algn="r">
               <a:spcBef>
                 <a:spcPts val="0"/>
               </a:spcBef>
@@ -5721,7 +5621,7 @@
           </a:bodyPr>
           <a:lstStyle/>
           <a:p>
-            <a:pPr indent="0" lvl="0" marL="0">
+            <a:pPr indent="0" lvl="0" marL="0" rtl="0" algn="l">
               <a:spcBef>
                 <a:spcPts val="0"/>
               </a:spcBef>
@@ -5778,7 +5678,7 @@
             </a:bodyPr>
             <a:lstStyle/>
             <a:p>
-              <a:pPr indent="0" lvl="0" marL="0">
+              <a:pPr indent="0" lvl="0" marL="0" rtl="0" algn="l">
                 <a:spcBef>
                   <a:spcPts val="0"/>
                 </a:spcBef>
@@ -5821,7 +5721,7 @@
             </a:bodyPr>
             <a:lstStyle/>
             <a:p>
-              <a:pPr indent="0" lvl="0" marL="0">
+              <a:pPr indent="0" lvl="0" marL="0" rtl="0" algn="l">
                 <a:spcBef>
                   <a:spcPts val="0"/>
                 </a:spcBef>
@@ -6084,7 +5984,7 @@
             </a:lvl9pPr>
           </a:lstStyle>
           <a:p>
-            <a:pPr indent="0" lvl="0" marL="0">
+            <a:pPr indent="0" lvl="0" marL="0" rtl="0" algn="r">
               <a:spcBef>
                 <a:spcPts val="0"/>
               </a:spcBef>
@@ -6153,7 +6053,7 @@
           </a:bodyPr>
           <a:lstStyle/>
           <a:p>
-            <a:pPr indent="0" lvl="0" marL="0">
+            <a:pPr indent="0" lvl="0" marL="0" rtl="0" algn="l">
               <a:spcBef>
                 <a:spcPts val="0"/>
               </a:spcBef>
@@ -6210,7 +6110,7 @@
             </a:bodyPr>
             <a:lstStyle/>
             <a:p>
-              <a:pPr indent="0" lvl="0" marL="0">
+              <a:pPr indent="0" lvl="0" marL="0" rtl="0" algn="l">
                 <a:spcBef>
                   <a:spcPts val="0"/>
                 </a:spcBef>
@@ -6253,7 +6153,7 @@
             </a:bodyPr>
             <a:lstStyle/>
             <a:p>
-              <a:pPr indent="0" lvl="0" marL="0">
+              <a:pPr indent="0" lvl="0" marL="0" rtl="0" algn="l">
                 <a:spcBef>
                   <a:spcPts val="0"/>
                 </a:spcBef>
@@ -6639,7 +6539,7 @@
             </a:lvl9pPr>
           </a:lstStyle>
           <a:p>
-            <a:pPr indent="0" lvl="0" marL="0">
+            <a:pPr indent="0" lvl="0" marL="0" rtl="0" algn="r">
               <a:spcBef>
                 <a:spcPts val="0"/>
               </a:spcBef>
@@ -6729,7 +6629,7 @@
             </a:bodyPr>
             <a:lstStyle/>
             <a:p>
-              <a:pPr indent="0" lvl="0" marL="0">
+              <a:pPr indent="0" lvl="0" marL="0" rtl="0" algn="l">
                 <a:spcBef>
                   <a:spcPts val="0"/>
                 </a:spcBef>
@@ -6772,7 +6672,7 @@
             </a:bodyPr>
             <a:lstStyle/>
             <a:p>
-              <a:pPr indent="0" lvl="0" marL="0">
+              <a:pPr indent="0" lvl="0" marL="0" rtl="0" algn="l">
                 <a:spcBef>
                   <a:spcPts val="0"/>
                 </a:spcBef>
@@ -7071,7 +6971,7 @@
             </a:lvl9pPr>
           </a:lstStyle>
           <a:p>
-            <a:pPr indent="0" lvl="0" marL="0">
+            <a:pPr indent="0" lvl="0" marL="0" rtl="0" algn="r">
               <a:spcBef>
                 <a:spcPts val="0"/>
               </a:spcBef>
@@ -7140,7 +7040,7 @@
           </a:bodyPr>
           <a:lstStyle/>
           <a:p>
-            <a:pPr indent="0" lvl="0" marL="0">
+            <a:pPr indent="0" lvl="0" marL="0" rtl="0" algn="l">
               <a:spcBef>
                 <a:spcPts val="0"/>
               </a:spcBef>
@@ -7197,7 +7097,7 @@
             </a:bodyPr>
             <a:lstStyle/>
             <a:p>
-              <a:pPr indent="0" lvl="0" marL="0">
+              <a:pPr indent="0" lvl="0" marL="0" rtl="0" algn="l">
                 <a:spcBef>
                   <a:spcPts val="0"/>
                 </a:spcBef>
@@ -7240,7 +7140,7 @@
             </a:bodyPr>
             <a:lstStyle/>
             <a:p>
-              <a:pPr indent="0" lvl="0" marL="0">
+              <a:pPr indent="0" lvl="0" marL="0" rtl="0" algn="l">
                 <a:spcBef>
                   <a:spcPts val="0"/>
                 </a:spcBef>
@@ -7776,7 +7676,7 @@
             </a:lvl9pPr>
           </a:lstStyle>
           <a:p>
-            <a:pPr indent="0" lvl="0" marL="0">
+            <a:pPr indent="0" lvl="0" marL="0" rtl="0" algn="r">
               <a:spcBef>
                 <a:spcPts val="0"/>
               </a:spcBef>
@@ -7916,7 +7816,7 @@
             </a:lvl9pPr>
           </a:lstStyle>
           <a:p>
-            <a:pPr indent="0" lvl="0" marL="0">
+            <a:pPr indent="0" lvl="0" marL="0" rtl="0" algn="r">
               <a:spcBef>
                 <a:spcPts val="0"/>
               </a:spcBef>
@@ -8544,7 +8444,7 @@
             </a:lvl9pPr>
           </a:lstStyle>
           <a:p>
-            <a:pPr indent="0" lvl="0" marL="0">
+            <a:pPr indent="0" lvl="0" marL="0" rtl="0" algn="r">
               <a:spcBef>
                 <a:spcPts val="0"/>
               </a:spcBef>
@@ -9310,7 +9210,7 @@
           </a:bodyPr>
           <a:lstStyle/>
           <a:p>
-            <a:pPr indent="0" lvl="0" marL="0">
+            <a:pPr indent="0" lvl="0" marL="0" rtl="0" algn="l">
               <a:spcBef>
                 <a:spcPts val="0"/>
               </a:spcBef>
@@ -9326,7 +9226,7 @@
             <a:endParaRPr/>
           </a:p>
           <a:p>
-            <a:pPr indent="0" lvl="0" marL="0">
+            <a:pPr indent="0" lvl="0" marL="0" rtl="0" algn="l">
               <a:spcBef>
                 <a:spcPts val="0"/>
               </a:spcBef>
@@ -9366,7 +9266,7 @@
           </a:bodyPr>
           <a:lstStyle/>
           <a:p>
-            <a:pPr indent="0" lvl="0" marL="0">
+            <a:pPr indent="0" lvl="0" marL="0" rtl="0" algn="l">
               <a:spcBef>
                 <a:spcPts val="0"/>
               </a:spcBef>
@@ -9382,7 +9282,7 @@
             <a:endParaRPr/>
           </a:p>
           <a:p>
-            <a:pPr indent="0" lvl="0" marL="0">
+            <a:pPr indent="0" lvl="0" marL="0" rtl="0" algn="l">
               <a:spcBef>
                 <a:spcPts val="0"/>
               </a:spcBef>
@@ -9397,7 +9297,7 @@
             <a:endParaRPr/>
           </a:p>
           <a:p>
-            <a:pPr indent="0" lvl="0" marL="0">
+            <a:pPr indent="0" lvl="0" marL="0" rtl="0" algn="l">
               <a:spcBef>
                 <a:spcPts val="0"/>
               </a:spcBef>
@@ -9437,7 +9337,7 @@
           </a:bodyPr>
           <a:lstStyle/>
           <a:p>
-            <a:pPr indent="0" lvl="0" marL="0">
+            <a:pPr indent="0" lvl="0" marL="0" rtl="0" algn="r">
               <a:spcBef>
                 <a:spcPts val="0"/>
               </a:spcBef>
@@ -9502,7 +9402,7 @@
           </a:bodyPr>
           <a:lstStyle/>
           <a:p>
-            <a:pPr indent="0" lvl="0" marL="0">
+            <a:pPr indent="0" lvl="0" marL="0" rtl="0" algn="l">
               <a:spcBef>
                 <a:spcPts val="0"/>
               </a:spcBef>
@@ -9542,7 +9442,7 @@
           </a:bodyPr>
           <a:lstStyle/>
           <a:p>
-            <a:pPr indent="-304800" lvl="0" marL="457200" rtl="0">
+            <a:pPr indent="-304800" lvl="0" marL="457200" rtl="0" algn="l">
               <a:spcBef>
                 <a:spcPts val="0"/>
               </a:spcBef>
@@ -9586,7 +9486,7 @@
             </a:endParaRPr>
           </a:p>
           <a:p>
-            <a:pPr indent="-304800" lvl="0" marL="457200">
+            <a:pPr indent="-304800" lvl="0" marL="457200" rtl="0" algn="l">
               <a:spcBef>
                 <a:spcPts val="0"/>
               </a:spcBef>
@@ -9638,7 +9538,7 @@
           </a:bodyPr>
           <a:lstStyle/>
           <a:p>
-            <a:pPr indent="0" lvl="0" marL="0">
+            <a:pPr indent="0" lvl="0" marL="0" rtl="0" algn="r">
               <a:spcBef>
                 <a:spcPts val="0"/>
               </a:spcBef>
@@ -9680,7 +9580,7 @@
           </a:bodyPr>
           <a:lstStyle/>
           <a:p>
-            <a:pPr indent="-304800" lvl="0" marL="457200">
+            <a:pPr indent="-304800" lvl="0" marL="457200" rtl="0" algn="l">
               <a:spcBef>
                 <a:spcPts val="0"/>
               </a:spcBef>
@@ -9822,7 +9722,7 @@
           </a:bodyPr>
           <a:lstStyle/>
           <a:p>
-            <a:pPr indent="0" lvl="0" marL="0">
+            <a:pPr indent="0" lvl="0" marL="0" rtl="0" algn="l">
               <a:spcBef>
                 <a:spcPts val="0"/>
               </a:spcBef>
@@ -9862,7 +9762,7 @@
           </a:bodyPr>
           <a:lstStyle/>
           <a:p>
-            <a:pPr indent="-304800" lvl="0" marL="457200" rtl="0">
+            <a:pPr indent="-304800" lvl="0" marL="457200" rtl="0" algn="l">
               <a:spcBef>
                 <a:spcPts val="0"/>
               </a:spcBef>
@@ -9946,7 +9846,7 @@
           </a:bodyPr>
           <a:lstStyle/>
           <a:p>
-            <a:pPr indent="0" lvl="0" marL="0">
+            <a:pPr indent="0" lvl="0" marL="0" rtl="0" algn="r">
               <a:spcBef>
                 <a:spcPts val="0"/>
               </a:spcBef>
@@ -10016,7 +9916,7 @@
           </a:bodyPr>
           <a:lstStyle/>
           <a:p>
-            <a:pPr indent="-304800" lvl="0" marL="457200" rtl="0">
+            <a:pPr indent="-304800" lvl="0" marL="457200" rtl="0" algn="l">
               <a:spcBef>
                 <a:spcPts val="0"/>
               </a:spcBef>
@@ -10049,7 +9949,7 @@
             </a:endParaRPr>
           </a:p>
           <a:p>
-            <a:pPr indent="-304800" lvl="0" marL="457200" rtl="0">
+            <a:pPr indent="-304800" lvl="0" marL="457200" rtl="0" algn="l">
               <a:spcBef>
                 <a:spcPts val="0"/>
               </a:spcBef>
@@ -10075,7 +9975,7 @@
             </a:endParaRPr>
           </a:p>
           <a:p>
-            <a:pPr indent="-304800" lvl="0" marL="457200">
+            <a:pPr indent="-304800" lvl="0" marL="457200" rtl="0" algn="l">
               <a:spcBef>
                 <a:spcPts val="0"/>
               </a:spcBef>
@@ -10182,7 +10082,7 @@
         </p:nvSpPr>
         <p:spPr>
           <a:xfrm>
-            <a:off x="729450" y="580800"/>
+            <a:off x="727650" y="595125"/>
             <a:ext cx="7688700" cy="535200"/>
           </a:xfrm>
           <a:prstGeom prst="rect">
@@ -10195,7 +10095,7 @@
           </a:bodyPr>
           <a:lstStyle/>
           <a:p>
-            <a:pPr indent="0" lvl="0" marL="0">
+            <a:pPr indent="0" lvl="0" marL="0" rtl="0" algn="l">
               <a:spcBef>
                 <a:spcPts val="0"/>
               </a:spcBef>
@@ -10206,7 +10106,7 @@
             </a:pPr>
             <a:r>
               <a:rPr lang="en"/>
-              <a:t>Casualties by Incident Characteristics</a:t>
+              <a:t>Feature Selection</a:t>
             </a:r>
             <a:endParaRPr/>
           </a:p>
@@ -10222,8 +10122,8 @@
         </p:nvSpPr>
         <p:spPr>
           <a:xfrm>
-            <a:off x="729450" y="1548900"/>
-            <a:ext cx="3368100" cy="2664900"/>
+            <a:off x="727650" y="1303775"/>
+            <a:ext cx="3844200" cy="3100500"/>
           </a:xfrm>
           <a:prstGeom prst="rect">
             <a:avLst/>
@@ -10235,7 +10135,7 @@
           </a:bodyPr>
           <a:lstStyle/>
           <a:p>
-            <a:pPr indent="-304800" lvl="0" marL="457200" rtl="0">
+            <a:pPr indent="-304800" lvl="0" marL="457200" rtl="0" algn="l">
               <a:spcBef>
                 <a:spcPts val="0"/>
               </a:spcBef>
@@ -10254,7 +10154,7 @@
                   <a:srgbClr val="000000"/>
                 </a:solidFill>
               </a:rPr>
-              <a:t>The two most common incident characteristics were </a:t>
+              <a:t>Using the </a:t>
             </a:r>
             <a:r>
               <a:rPr lang="en" sz="1200" u="sng">
@@ -10262,7 +10162,7 @@
                   <a:srgbClr val="000000"/>
                 </a:solidFill>
               </a:rPr>
-              <a:t>‘Shot - Wounded’</a:t>
+              <a:t>Chi-Square Test for Independence</a:t>
             </a:r>
             <a:r>
               <a:rPr lang="en" sz="1200">
@@ -10270,31 +10170,8 @@
                   <a:srgbClr val="000000"/>
                 </a:solidFill>
               </a:rPr>
-              <a:t> and </a:t>
-            </a:r>
-            <a:r>
-              <a:rPr lang="en" sz="1200" u="sng">
-                <a:solidFill>
-                  <a:srgbClr val="000000"/>
-                </a:solidFill>
-              </a:rPr>
-              <a:t>‘Shot - Dead’</a:t>
-            </a:r>
-            <a:r>
-              <a:rPr lang="en" sz="1200">
-                <a:solidFill>
-                  <a:srgbClr val="000000"/>
-                </a:solidFill>
-              </a:rPr>
-              <a:t>.</a:t>
-            </a:r>
-            <a:br>
-              <a:rPr lang="en" sz="1200">
-                <a:solidFill>
-                  <a:srgbClr val="000000"/>
-                </a:solidFill>
-              </a:rPr>
-            </a:br>
+              <a:t> and previously creating numerical columns for the Categorical data, features were selected for the machine learning models.</a:t>
+            </a:r>
             <a:br>
               <a:rPr lang="en" sz="1200">
                 <a:solidFill>
@@ -10309,7 +10186,7 @@
             </a:endParaRPr>
           </a:p>
           <a:p>
-            <a:pPr indent="-304800" lvl="0" marL="457200">
+            <a:pPr indent="-304800" lvl="0" marL="457200" rtl="0" algn="l">
               <a:spcBef>
                 <a:spcPts val="0"/>
               </a:spcBef>
@@ -10328,7 +10205,7 @@
                   <a:srgbClr val="000000"/>
                 </a:solidFill>
               </a:rPr>
-              <a:t>‘Shots Fired - No Injuries’</a:t>
+              <a:t>Two types of feature sets </a:t>
             </a:r>
             <a:r>
               <a:rPr lang="en" sz="1200">
@@ -10336,7 +10213,42 @@
                   <a:srgbClr val="000000"/>
                 </a:solidFill>
               </a:rPr>
-              <a:t> came up less frequently than ‘Drive-by’, indicating there were more incidents with casualties than none.</a:t>
+              <a:t>were created: one for predicting the number of people killed (n_killed) and the other for predicting the number of people injured (n_injured).</a:t>
+            </a:r>
+            <a:br>
+              <a:rPr lang="en" sz="1200">
+                <a:solidFill>
+                  <a:srgbClr val="000000"/>
+                </a:solidFill>
+              </a:rPr>
+            </a:br>
+            <a:endParaRPr sz="1200">
+              <a:solidFill>
+                <a:srgbClr val="000000"/>
+              </a:solidFill>
+            </a:endParaRPr>
+          </a:p>
+          <a:p>
+            <a:pPr indent="-304800" lvl="0" marL="457200" rtl="0" algn="l">
+              <a:spcBef>
+                <a:spcPts val="0"/>
+              </a:spcBef>
+              <a:spcAft>
+                <a:spcPts val="0"/>
+              </a:spcAft>
+              <a:buClr>
+                <a:srgbClr val="000000"/>
+              </a:buClr>
+              <a:buSzPts val="1200"/>
+              <a:buChar char="★"/>
+            </a:pPr>
+            <a:r>
+              <a:rPr lang="en" sz="1200">
+                <a:solidFill>
+                  <a:srgbClr val="000000"/>
+                </a:solidFill>
+              </a:rPr>
+              <a:t>Both feature sets included the same features shown on the right, except the set for predicting the number of people killed included n_injured as a feature and vice versa.</a:t>
             </a:r>
             <a:endParaRPr sz="1200">
               <a:solidFill>
@@ -10369,7 +10281,7 @@
           </a:bodyPr>
           <a:lstStyle/>
           <a:p>
-            <a:pPr indent="0" lvl="0" marL="0">
+            <a:pPr indent="0" lvl="0" marL="0" rtl="0" algn="r">
               <a:spcBef>
                 <a:spcPts val="0"/>
               </a:spcBef>
@@ -10402,8 +10314,8 @@
         </p:blipFill>
         <p:spPr>
           <a:xfrm>
-            <a:off x="3970600" y="1476150"/>
-            <a:ext cx="5028149" cy="2810410"/>
+            <a:off x="4871275" y="1282725"/>
+            <a:ext cx="3701075" cy="2821600"/>
           </a:xfrm>
           <a:prstGeom prst="rect">
             <a:avLst/>
@@ -10449,7 +10361,7 @@
         </p:nvSpPr>
         <p:spPr>
           <a:xfrm>
-            <a:off x="727650" y="595125"/>
+            <a:off x="729450" y="559300"/>
             <a:ext cx="7688700" cy="535200"/>
           </a:xfrm>
           <a:prstGeom prst="rect">
@@ -10462,7 +10374,7 @@
           </a:bodyPr>
           <a:lstStyle/>
           <a:p>
-            <a:pPr indent="0" lvl="0" marL="0">
+            <a:pPr indent="0" lvl="0" marL="0" rtl="0" algn="l">
               <a:spcBef>
                 <a:spcPts val="0"/>
               </a:spcBef>
@@ -10473,7 +10385,7 @@
             </a:pPr>
             <a:r>
               <a:rPr lang="en"/>
-              <a:t>Feature Selection</a:t>
+              <a:t>Baseline/Linear Regression</a:t>
             </a:r>
             <a:endParaRPr/>
           </a:p>
@@ -10489,8 +10401,8 @@
         </p:nvSpPr>
         <p:spPr>
           <a:xfrm>
-            <a:off x="727650" y="1303775"/>
-            <a:ext cx="3844200" cy="3100500"/>
+            <a:off x="729450" y="1368250"/>
+            <a:ext cx="3842700" cy="3459900"/>
           </a:xfrm>
           <a:prstGeom prst="rect">
             <a:avLst/>
@@ -10502,7 +10414,7 @@
           </a:bodyPr>
           <a:lstStyle/>
           <a:p>
-            <a:pPr indent="-304800" lvl="0" marL="457200" rtl="0">
+            <a:pPr indent="-298450" lvl="0" marL="457200" rtl="0" algn="l">
               <a:spcBef>
                 <a:spcPts val="0"/>
               </a:spcBef>
@@ -10512,48 +10424,25 @@
               <a:buClr>
                 <a:srgbClr val="000000"/>
               </a:buClr>
-              <a:buSzPts val="1200"/>
+              <a:buSzPts val="1100"/>
               <a:buChar char="★"/>
             </a:pPr>
             <a:r>
-              <a:rPr lang="en" sz="1200">
+              <a:rPr lang="en" sz="1100">
                 <a:solidFill>
                   <a:srgbClr val="000000"/>
                 </a:solidFill>
               </a:rPr>
-              <a:t>Using the </a:t>
-            </a:r>
-            <a:r>
-              <a:rPr lang="en" sz="1200" u="sng">
-                <a:solidFill>
-                  <a:srgbClr val="000000"/>
-                </a:solidFill>
-              </a:rPr>
-              <a:t>Chi-Square Test for Independence</a:t>
-            </a:r>
-            <a:r>
-              <a:rPr lang="en" sz="1200">
-                <a:solidFill>
-                  <a:srgbClr val="000000"/>
-                </a:solidFill>
-              </a:rPr>
-              <a:t> and previously creating numerical columns for the Categorical data, features were selected for the machine learning models.</a:t>
-            </a:r>
-            <a:br>
-              <a:rPr lang="en" sz="1200">
-                <a:solidFill>
-                  <a:srgbClr val="000000"/>
-                </a:solidFill>
-              </a:rPr>
-            </a:br>
-            <a:endParaRPr sz="1200">
+              <a:t>A simple baseline was created using the DummyRegressor regressor to compare with the results of the models.</a:t>
+            </a:r>
+            <a:endParaRPr sz="1100">
               <a:solidFill>
                 <a:srgbClr val="000000"/>
               </a:solidFill>
             </a:endParaRPr>
           </a:p>
           <a:p>
-            <a:pPr indent="-304800" lvl="0" marL="457200" rtl="0">
+            <a:pPr indent="-298450" lvl="0" marL="457200" rtl="0" algn="l">
               <a:spcBef>
                 <a:spcPts val="0"/>
               </a:spcBef>
@@ -10563,40 +10452,25 @@
               <a:buClr>
                 <a:srgbClr val="000000"/>
               </a:buClr>
-              <a:buSzPts val="1200"/>
+              <a:buSzPts val="1100"/>
               <a:buChar char="★"/>
             </a:pPr>
             <a:r>
-              <a:rPr lang="en" sz="1200" u="sng">
+              <a:rPr lang="en" sz="1100">
                 <a:solidFill>
                   <a:srgbClr val="000000"/>
                 </a:solidFill>
               </a:rPr>
-              <a:t>Two types of feature sets </a:t>
-            </a:r>
-            <a:r>
-              <a:rPr lang="en" sz="1200">
-                <a:solidFill>
-                  <a:srgbClr val="000000"/>
-                </a:solidFill>
-              </a:rPr>
-              <a:t>were created: one for predicting the number of people killed (n_killed) and the other for predicting the number of people injured (n_injured).</a:t>
-            </a:r>
-            <a:br>
-              <a:rPr lang="en" sz="1200">
-                <a:solidFill>
-                  <a:srgbClr val="000000"/>
-                </a:solidFill>
-              </a:rPr>
-            </a:br>
-            <a:endParaRPr sz="1200">
+              <a:t>2 primary metrics were used:</a:t>
+            </a:r>
+            <a:endParaRPr sz="1100">
               <a:solidFill>
                 <a:srgbClr val="000000"/>
               </a:solidFill>
             </a:endParaRPr>
           </a:p>
           <a:p>
-            <a:pPr indent="-304800" lvl="0" marL="457200">
+            <a:pPr indent="-298450" lvl="1" marL="914400" rtl="0" algn="l">
               <a:spcBef>
                 <a:spcPts val="0"/>
               </a:spcBef>
@@ -10606,18 +10480,270 @@
               <a:buClr>
                 <a:srgbClr val="000000"/>
               </a:buClr>
-              <a:buSzPts val="1200"/>
+              <a:buSzPts val="1100"/>
+              <a:buChar char="○"/>
+            </a:pPr>
+            <a:r>
+              <a:rPr lang="en" u="sng">
+                <a:solidFill>
+                  <a:srgbClr val="000000"/>
+                </a:solidFill>
+              </a:rPr>
+              <a:t>RMSE (Root Mean Squared Error)</a:t>
+            </a:r>
+            <a:endParaRPr u="sng">
+              <a:solidFill>
+                <a:srgbClr val="000000"/>
+              </a:solidFill>
+            </a:endParaRPr>
+          </a:p>
+          <a:p>
+            <a:pPr indent="-298450" lvl="1" marL="914400" rtl="0" algn="l">
+              <a:spcBef>
+                <a:spcPts val="0"/>
+              </a:spcBef>
+              <a:spcAft>
+                <a:spcPts val="0"/>
+              </a:spcAft>
+              <a:buClr>
+                <a:srgbClr val="000000"/>
+              </a:buClr>
+              <a:buSzPts val="1100"/>
+              <a:buChar char="○"/>
+            </a:pPr>
+            <a:r>
+              <a:rPr lang="en" u="sng">
+                <a:solidFill>
+                  <a:srgbClr val="000000"/>
+                </a:solidFill>
+              </a:rPr>
+              <a:t>R-Square</a:t>
+            </a:r>
+            <a:r>
+              <a:rPr lang="en" u="sng">
+                <a:solidFill>
+                  <a:srgbClr val="000000"/>
+                </a:solidFill>
+              </a:rPr>
+              <a:t>d</a:t>
+            </a:r>
+            <a:endParaRPr>
+              <a:solidFill>
+                <a:srgbClr val="000000"/>
+              </a:solidFill>
+            </a:endParaRPr>
+          </a:p>
+          <a:p>
+            <a:pPr indent="-298450" lvl="0" marL="457200" rtl="0" algn="l">
+              <a:spcBef>
+                <a:spcPts val="0"/>
+              </a:spcBef>
+              <a:spcAft>
+                <a:spcPts val="0"/>
+              </a:spcAft>
+              <a:buClr>
+                <a:srgbClr val="000000"/>
+              </a:buClr>
+              <a:buSzPts val="1100"/>
               <a:buChar char="★"/>
             </a:pPr>
             <a:r>
-              <a:rPr lang="en" sz="1200">
+              <a:rPr lang="en" sz="1100">
                 <a:solidFill>
                   <a:srgbClr val="000000"/>
                 </a:solidFill>
               </a:rPr>
-              <a:t>Both feature sets included the same features shown on the right, except the set for predicting the number of people killed included n_injured as a feature and vice versa.</a:t>
-            </a:r>
-            <a:endParaRPr sz="1200">
+              <a:t>3 different </a:t>
+            </a:r>
+            <a:r>
+              <a:rPr lang="en" sz="1100" u="sng">
+                <a:solidFill>
+                  <a:srgbClr val="000000"/>
+                </a:solidFill>
+              </a:rPr>
+              <a:t>Linear Regression</a:t>
+            </a:r>
+            <a:r>
+              <a:rPr lang="en" sz="1100">
+                <a:solidFill>
+                  <a:srgbClr val="000000"/>
+                </a:solidFill>
+              </a:rPr>
+              <a:t> Models were used:</a:t>
+            </a:r>
+            <a:endParaRPr sz="1100">
+              <a:solidFill>
+                <a:srgbClr val="000000"/>
+              </a:solidFill>
+            </a:endParaRPr>
+          </a:p>
+          <a:p>
+            <a:pPr indent="-298450" lvl="1" marL="914400" rtl="0" algn="l">
+              <a:spcBef>
+                <a:spcPts val="0"/>
+              </a:spcBef>
+              <a:spcAft>
+                <a:spcPts val="0"/>
+              </a:spcAft>
+              <a:buClr>
+                <a:srgbClr val="000000"/>
+              </a:buClr>
+              <a:buSzPts val="1100"/>
+              <a:buChar char="○"/>
+            </a:pPr>
+            <a:r>
+              <a:rPr lang="en">
+                <a:solidFill>
+                  <a:srgbClr val="000000"/>
+                </a:solidFill>
+              </a:rPr>
+              <a:t>Linear Regression without Regularization</a:t>
+            </a:r>
+            <a:endParaRPr>
+              <a:solidFill>
+                <a:srgbClr val="000000"/>
+              </a:solidFill>
+            </a:endParaRPr>
+          </a:p>
+          <a:p>
+            <a:pPr indent="-298450" lvl="1" marL="914400" rtl="0" algn="l">
+              <a:spcBef>
+                <a:spcPts val="0"/>
+              </a:spcBef>
+              <a:spcAft>
+                <a:spcPts val="0"/>
+              </a:spcAft>
+              <a:buClr>
+                <a:srgbClr val="000000"/>
+              </a:buClr>
+              <a:buSzPts val="1100"/>
+              <a:buChar char="○"/>
+            </a:pPr>
+            <a:r>
+              <a:rPr lang="en">
+                <a:solidFill>
+                  <a:srgbClr val="000000"/>
+                </a:solidFill>
+              </a:rPr>
+              <a:t>Lasso Regularization</a:t>
+            </a:r>
+            <a:endParaRPr>
+              <a:solidFill>
+                <a:srgbClr val="000000"/>
+              </a:solidFill>
+            </a:endParaRPr>
+          </a:p>
+          <a:p>
+            <a:pPr indent="-298450" lvl="1" marL="914400" rtl="0" algn="l">
+              <a:spcBef>
+                <a:spcPts val="0"/>
+              </a:spcBef>
+              <a:spcAft>
+                <a:spcPts val="0"/>
+              </a:spcAft>
+              <a:buClr>
+                <a:srgbClr val="000000"/>
+              </a:buClr>
+              <a:buSzPts val="1100"/>
+              <a:buChar char="○"/>
+            </a:pPr>
+            <a:r>
+              <a:rPr lang="en">
+                <a:solidFill>
+                  <a:srgbClr val="000000"/>
+                </a:solidFill>
+              </a:rPr>
+              <a:t>Ridge Regularization</a:t>
+            </a:r>
+            <a:endParaRPr>
+              <a:solidFill>
+                <a:srgbClr val="000000"/>
+              </a:solidFill>
+            </a:endParaRPr>
+          </a:p>
+          <a:p>
+            <a:pPr indent="-298450" lvl="0" marL="457200" rtl="0" algn="l">
+              <a:spcBef>
+                <a:spcPts val="0"/>
+              </a:spcBef>
+              <a:spcAft>
+                <a:spcPts val="0"/>
+              </a:spcAft>
+              <a:buClr>
+                <a:srgbClr val="000000"/>
+              </a:buClr>
+              <a:buSzPts val="1100"/>
+              <a:buChar char="★"/>
+            </a:pPr>
+            <a:r>
+              <a:rPr lang="en" sz="1100" u="sng">
+                <a:solidFill>
+                  <a:srgbClr val="000000"/>
+                </a:solidFill>
+              </a:rPr>
+              <a:t>Application</a:t>
+            </a:r>
+            <a:r>
+              <a:rPr lang="en" sz="1100">
+                <a:solidFill>
+                  <a:srgbClr val="000000"/>
+                </a:solidFill>
+              </a:rPr>
+              <a:t>: The number of people injured had the highest coefficient value for predicting the number of people killed, and vice versa.</a:t>
+            </a:r>
+            <a:endParaRPr sz="1100">
+              <a:solidFill>
+                <a:srgbClr val="000000"/>
+              </a:solidFill>
+            </a:endParaRPr>
+          </a:p>
+          <a:p>
+            <a:pPr indent="-298450" lvl="1" marL="914400" rtl="0" algn="l">
+              <a:spcBef>
+                <a:spcPts val="0"/>
+              </a:spcBef>
+              <a:spcAft>
+                <a:spcPts val="0"/>
+              </a:spcAft>
+              <a:buClr>
+                <a:srgbClr val="000000"/>
+              </a:buClr>
+              <a:buSzPts val="1100"/>
+              <a:buChar char="○"/>
+            </a:pPr>
+            <a:r>
+              <a:rPr lang="en" sz="1100">
+                <a:solidFill>
+                  <a:srgbClr val="000000"/>
+                </a:solidFill>
+              </a:rPr>
+              <a:t>For every person injured in a shooting incident, there was a </a:t>
+            </a:r>
+            <a:r>
+              <a:rPr i="1" lang="en" sz="1100">
+                <a:solidFill>
+                  <a:srgbClr val="000000"/>
+                </a:solidFill>
+              </a:rPr>
+              <a:t>decrease </a:t>
+            </a:r>
+            <a:r>
+              <a:rPr lang="en" sz="1100">
+                <a:solidFill>
+                  <a:srgbClr val="000000"/>
+                </a:solidFill>
+              </a:rPr>
+              <a:t>of 0.3 deaths. In other words, there was a negative correlation</a:t>
+            </a:r>
+            <a:r>
+              <a:rPr lang="en">
+                <a:solidFill>
+                  <a:srgbClr val="000000"/>
+                </a:solidFill>
+              </a:rPr>
+              <a:t> between the 2 variables.</a:t>
+            </a:r>
+            <a:endParaRPr sz="1100">
               <a:solidFill>
                 <a:srgbClr val="000000"/>
               </a:solidFill>
@@ -10648,500 +10774,7 @@
           </a:bodyPr>
           <a:lstStyle/>
           <a:p>
-            <a:pPr indent="0" lvl="0" marL="0">
-              <a:spcBef>
-                <a:spcPts val="0"/>
-              </a:spcBef>
-              <a:spcAft>
-                <a:spcPts val="0"/>
-              </a:spcAft>
-              <a:buNone/>
-            </a:pPr>
-            <a:fld id="{00000000-1234-1234-1234-123412341234}" type="slidenum">
-              <a:rPr lang="en"/>
-              <a:t>‹#›</a:t>
-            </a:fld>
-            <a:endParaRPr/>
-          </a:p>
-        </p:txBody>
-      </p:sp>
-      <p:pic>
-        <p:nvPicPr>
-          <p:cNvPr id="190" name="Google Shape;190;p25"/>
-          <p:cNvPicPr preferRelativeResize="0"/>
-          <p:nvPr/>
-        </p:nvPicPr>
-        <p:blipFill>
-          <a:blip r:embed="rId3">
-            <a:alphaModFix/>
-          </a:blip>
-          <a:stretch>
-            <a:fillRect/>
-          </a:stretch>
-        </p:blipFill>
-        <p:spPr>
-          <a:xfrm>
-            <a:off x="4838875" y="1130325"/>
-            <a:ext cx="3528625" cy="3031750"/>
-          </a:xfrm>
-          <a:prstGeom prst="rect">
-            <a:avLst/>
-          </a:prstGeom>
-          <a:noFill/>
-          <a:ln>
-            <a:noFill/>
-          </a:ln>
-        </p:spPr>
-      </p:pic>
-    </p:spTree>
-  </p:cSld>
-  <p:clrMapOvr>
-    <a:masterClrMapping/>
-  </p:clrMapOvr>
-</p:sld>
-</file>
-
-<file path=ppt/slides/slide14.xml><?xml version="1.0" encoding="utf-8"?>
-<p:sld xmlns:a="http://schemas.openxmlformats.org/drawingml/2006/main" xmlns:r="http://schemas.openxmlformats.org/officeDocument/2006/relationships" xmlns:mc="http://schemas.openxmlformats.org/markup-compatibility/2006" xmlns:mv="urn:schemas-microsoft-com:mac:vml" xmlns:p="http://schemas.openxmlformats.org/presentationml/2006/main" xmlns:c="http://schemas.openxmlformats.org/drawingml/2006/chart" xmlns:dgm="http://schemas.openxmlformats.org/drawingml/2006/diagram" xmlns:o="urn:schemas-microsoft-com:office:office" xmlns:v="urn:schemas-microsoft-com:vml" xmlns:pvml="urn:schemas-microsoft-com:office:powerpoint" xmlns:com="http://schemas.openxmlformats.org/drawingml/2006/compatibility" xmlns:p14="http://schemas.microsoft.com/office/powerpoint/2010/main" xmlns:p15="http://schemas.microsoft.com/office/powerpoint/2012/main">
-  <p:cSld>
-    <p:spTree>
-      <p:nvGrpSpPr>
-        <p:cNvPr id="194" name="Shape 194"/>
-        <p:cNvGrpSpPr/>
-        <p:nvPr/>
-      </p:nvGrpSpPr>
-      <p:grpSpPr>
-        <a:xfrm>
-          <a:off x="0" y="0"/>
-          <a:ext cx="0" cy="0"/>
-          <a:chOff x="0" y="0"/>
-          <a:chExt cx="0" cy="0"/>
-        </a:xfrm>
-      </p:grpSpPr>
-      <p:sp>
-        <p:nvSpPr>
-          <p:cNvPr id="195" name="Google Shape;195;p26"/>
-          <p:cNvSpPr txBox="1"/>
-          <p:nvPr>
-            <p:ph type="title"/>
-          </p:nvPr>
-        </p:nvSpPr>
-        <p:spPr>
-          <a:xfrm>
-            <a:off x="729450" y="559300"/>
-            <a:ext cx="7688700" cy="535200"/>
-          </a:xfrm>
-          <a:prstGeom prst="rect">
-            <a:avLst/>
-          </a:prstGeom>
-        </p:spPr>
-        <p:txBody>
-          <a:bodyPr anchorCtr="0" anchor="t" bIns="91425" lIns="91425" spcFirstLastPara="1" rIns="91425" wrap="square" tIns="91425">
-            <a:noAutofit/>
-          </a:bodyPr>
-          <a:lstStyle/>
-          <a:p>
-            <a:pPr indent="0" lvl="0" marL="0">
-              <a:spcBef>
-                <a:spcPts val="0"/>
-              </a:spcBef>
-              <a:spcAft>
-                <a:spcPts val="0"/>
-              </a:spcAft>
-              <a:buNone/>
-            </a:pPr>
-            <a:r>
-              <a:rPr lang="en"/>
-              <a:t>Baseline/Linear Regression</a:t>
-            </a:r>
-            <a:endParaRPr/>
-          </a:p>
-        </p:txBody>
-      </p:sp>
-      <p:sp>
-        <p:nvSpPr>
-          <p:cNvPr id="196" name="Google Shape;196;p26"/>
-          <p:cNvSpPr txBox="1"/>
-          <p:nvPr>
-            <p:ph idx="1" type="body"/>
-          </p:nvPr>
-        </p:nvSpPr>
-        <p:spPr>
-          <a:xfrm>
-            <a:off x="729450" y="1368250"/>
-            <a:ext cx="3842700" cy="3459900"/>
-          </a:xfrm>
-          <a:prstGeom prst="rect">
-            <a:avLst/>
-          </a:prstGeom>
-        </p:spPr>
-        <p:txBody>
-          <a:bodyPr anchorCtr="0" anchor="t" bIns="91425" lIns="91425" spcFirstLastPara="1" rIns="91425" wrap="square" tIns="91425">
-            <a:noAutofit/>
-          </a:bodyPr>
-          <a:lstStyle/>
-          <a:p>
-            <a:pPr indent="-298450" lvl="0" marL="457200" rtl="0">
-              <a:spcBef>
-                <a:spcPts val="0"/>
-              </a:spcBef>
-              <a:spcAft>
-                <a:spcPts val="0"/>
-              </a:spcAft>
-              <a:buClr>
-                <a:srgbClr val="000000"/>
-              </a:buClr>
-              <a:buSzPts val="1100"/>
-              <a:buChar char="★"/>
-            </a:pPr>
-            <a:r>
-              <a:rPr lang="en" sz="1100">
-                <a:solidFill>
-                  <a:srgbClr val="000000"/>
-                </a:solidFill>
-              </a:rPr>
-              <a:t>A simple baseline was created using the DummyRegressor regressor to compare with the results of the models.</a:t>
-            </a:r>
-            <a:endParaRPr sz="1100">
-              <a:solidFill>
-                <a:srgbClr val="000000"/>
-              </a:solidFill>
-            </a:endParaRPr>
-          </a:p>
-          <a:p>
-            <a:pPr indent="-298450" lvl="0" marL="457200" rtl="0">
-              <a:spcBef>
-                <a:spcPts val="0"/>
-              </a:spcBef>
-              <a:spcAft>
-                <a:spcPts val="0"/>
-              </a:spcAft>
-              <a:buClr>
-                <a:srgbClr val="000000"/>
-              </a:buClr>
-              <a:buSzPts val="1100"/>
-              <a:buChar char="★"/>
-            </a:pPr>
-            <a:r>
-              <a:rPr lang="en" sz="1100">
-                <a:solidFill>
-                  <a:srgbClr val="000000"/>
-                </a:solidFill>
-              </a:rPr>
-              <a:t>2 primary metrics were used:</a:t>
-            </a:r>
-            <a:endParaRPr sz="1100">
-              <a:solidFill>
-                <a:srgbClr val="000000"/>
-              </a:solidFill>
-            </a:endParaRPr>
-          </a:p>
-          <a:p>
-            <a:pPr indent="-298450" lvl="1" marL="914400" rtl="0">
-              <a:spcBef>
-                <a:spcPts val="0"/>
-              </a:spcBef>
-              <a:spcAft>
-                <a:spcPts val="0"/>
-              </a:spcAft>
-              <a:buClr>
-                <a:srgbClr val="000000"/>
-              </a:buClr>
-              <a:buSzPts val="1100"/>
-              <a:buChar char="○"/>
-            </a:pPr>
-            <a:r>
-              <a:rPr lang="en" u="sng">
-                <a:solidFill>
-                  <a:srgbClr val="000000"/>
-                </a:solidFill>
-              </a:rPr>
-              <a:t>RMSE (Root Mean Squared Error)</a:t>
-            </a:r>
-            <a:endParaRPr u="sng">
-              <a:solidFill>
-                <a:srgbClr val="000000"/>
-              </a:solidFill>
-            </a:endParaRPr>
-          </a:p>
-          <a:p>
-            <a:pPr indent="-298450" lvl="1" marL="914400" rtl="0">
-              <a:spcBef>
-                <a:spcPts val="0"/>
-              </a:spcBef>
-              <a:spcAft>
-                <a:spcPts val="0"/>
-              </a:spcAft>
-              <a:buClr>
-                <a:srgbClr val="000000"/>
-              </a:buClr>
-              <a:buSzPts val="1100"/>
-              <a:buChar char="○"/>
-            </a:pPr>
-            <a:r>
-              <a:rPr lang="en" u="sng">
-                <a:solidFill>
-                  <a:srgbClr val="000000"/>
-                </a:solidFill>
-              </a:rPr>
-              <a:t>R-Square</a:t>
-            </a:r>
-            <a:r>
-              <a:rPr lang="en" u="sng">
-                <a:solidFill>
-                  <a:srgbClr val="000000"/>
-                </a:solidFill>
-              </a:rPr>
-              <a:t>d</a:t>
-            </a:r>
-            <a:endParaRPr>
-              <a:solidFill>
-                <a:srgbClr val="000000"/>
-              </a:solidFill>
-            </a:endParaRPr>
-          </a:p>
-          <a:p>
-            <a:pPr indent="-298450" lvl="0" marL="457200" rtl="0">
-              <a:spcBef>
-                <a:spcPts val="0"/>
-              </a:spcBef>
-              <a:spcAft>
-                <a:spcPts val="0"/>
-              </a:spcAft>
-              <a:buClr>
-                <a:srgbClr val="000000"/>
-              </a:buClr>
-              <a:buSzPts val="1100"/>
-              <a:buChar char="★"/>
-            </a:pPr>
-            <a:r>
-              <a:rPr lang="en" sz="1100">
-                <a:solidFill>
-                  <a:srgbClr val="000000"/>
-                </a:solidFill>
-              </a:rPr>
-              <a:t>3 different </a:t>
-            </a:r>
-            <a:r>
-              <a:rPr lang="en" sz="1100" u="sng">
-                <a:solidFill>
-                  <a:srgbClr val="000000"/>
-                </a:solidFill>
-              </a:rPr>
-              <a:t>Linear Regression</a:t>
-            </a:r>
-            <a:r>
-              <a:rPr lang="en" sz="1100">
-                <a:solidFill>
-                  <a:srgbClr val="000000"/>
-                </a:solidFill>
-              </a:rPr>
-              <a:t> Models were used:</a:t>
-            </a:r>
-            <a:endParaRPr sz="1100">
-              <a:solidFill>
-                <a:srgbClr val="000000"/>
-              </a:solidFill>
-            </a:endParaRPr>
-          </a:p>
-          <a:p>
-            <a:pPr indent="-298450" lvl="1" marL="914400" rtl="0">
-              <a:spcBef>
-                <a:spcPts val="0"/>
-              </a:spcBef>
-              <a:spcAft>
-                <a:spcPts val="0"/>
-              </a:spcAft>
-              <a:buClr>
-                <a:srgbClr val="000000"/>
-              </a:buClr>
-              <a:buSzPts val="1100"/>
-              <a:buChar char="○"/>
-            </a:pPr>
-            <a:r>
-              <a:rPr lang="en">
-                <a:solidFill>
-                  <a:srgbClr val="000000"/>
-                </a:solidFill>
-              </a:rPr>
-              <a:t>Linear Regression without Regularization</a:t>
-            </a:r>
-            <a:endParaRPr>
-              <a:solidFill>
-                <a:srgbClr val="000000"/>
-              </a:solidFill>
-            </a:endParaRPr>
-          </a:p>
-          <a:p>
-            <a:pPr indent="-298450" lvl="1" marL="914400" rtl="0">
-              <a:spcBef>
-                <a:spcPts val="0"/>
-              </a:spcBef>
-              <a:spcAft>
-                <a:spcPts val="0"/>
-              </a:spcAft>
-              <a:buClr>
-                <a:srgbClr val="000000"/>
-              </a:buClr>
-              <a:buSzPts val="1100"/>
-              <a:buChar char="○"/>
-            </a:pPr>
-            <a:r>
-              <a:rPr lang="en">
-                <a:solidFill>
-                  <a:srgbClr val="000000"/>
-                </a:solidFill>
-              </a:rPr>
-              <a:t>Lasso Regularization</a:t>
-            </a:r>
-            <a:endParaRPr>
-              <a:solidFill>
-                <a:srgbClr val="000000"/>
-              </a:solidFill>
-            </a:endParaRPr>
-          </a:p>
-          <a:p>
-            <a:pPr indent="-298450" lvl="1" marL="914400" rtl="0">
-              <a:spcBef>
-                <a:spcPts val="0"/>
-              </a:spcBef>
-              <a:spcAft>
-                <a:spcPts val="0"/>
-              </a:spcAft>
-              <a:buClr>
-                <a:srgbClr val="000000"/>
-              </a:buClr>
-              <a:buSzPts val="1100"/>
-              <a:buChar char="○"/>
-            </a:pPr>
-            <a:r>
-              <a:rPr lang="en">
-                <a:solidFill>
-                  <a:srgbClr val="000000"/>
-                </a:solidFill>
-              </a:rPr>
-              <a:t>Ridge Regularization</a:t>
-            </a:r>
-            <a:endParaRPr>
-              <a:solidFill>
-                <a:srgbClr val="000000"/>
-              </a:solidFill>
-            </a:endParaRPr>
-          </a:p>
-          <a:p>
-            <a:pPr indent="-298450" lvl="0" marL="457200" rtl="0">
-              <a:spcBef>
-                <a:spcPts val="0"/>
-              </a:spcBef>
-              <a:spcAft>
-                <a:spcPts val="0"/>
-              </a:spcAft>
-              <a:buClr>
-                <a:srgbClr val="000000"/>
-              </a:buClr>
-              <a:buSzPts val="1100"/>
-              <a:buChar char="★"/>
-            </a:pPr>
-            <a:r>
-              <a:rPr lang="en" sz="1100" u="sng">
-                <a:solidFill>
-                  <a:srgbClr val="000000"/>
-                </a:solidFill>
-              </a:rPr>
-              <a:t>Application</a:t>
-            </a:r>
-            <a:r>
-              <a:rPr lang="en" sz="1100">
-                <a:solidFill>
-                  <a:srgbClr val="000000"/>
-                </a:solidFill>
-              </a:rPr>
-              <a:t>: The number of people injured had the highest coefficient value for predicting the number of people killed, and vice versa.</a:t>
-            </a:r>
-            <a:endParaRPr sz="1100">
-              <a:solidFill>
-                <a:srgbClr val="000000"/>
-              </a:solidFill>
-            </a:endParaRPr>
-          </a:p>
-          <a:p>
-            <a:pPr indent="-298450" lvl="1" marL="914400">
-              <a:spcBef>
-                <a:spcPts val="0"/>
-              </a:spcBef>
-              <a:spcAft>
-                <a:spcPts val="0"/>
-              </a:spcAft>
-              <a:buClr>
-                <a:srgbClr val="000000"/>
-              </a:buClr>
-              <a:buSzPts val="1100"/>
-              <a:buChar char="○"/>
-            </a:pPr>
-            <a:r>
-              <a:rPr lang="en" sz="1100">
-                <a:solidFill>
-                  <a:srgbClr val="000000"/>
-                </a:solidFill>
-              </a:rPr>
-              <a:t>For every person injured in a shooting incident, there was a </a:t>
-            </a:r>
-            <a:r>
-              <a:rPr i="1" lang="en" sz="1100">
-                <a:solidFill>
-                  <a:srgbClr val="000000"/>
-                </a:solidFill>
-              </a:rPr>
-              <a:t>decrease </a:t>
-            </a:r>
-            <a:r>
-              <a:rPr lang="en" sz="1100">
-                <a:solidFill>
-                  <a:srgbClr val="000000"/>
-                </a:solidFill>
-              </a:rPr>
-              <a:t>of 0.3 deaths. In other words, there was a negative correlation</a:t>
-            </a:r>
-            <a:r>
-              <a:rPr lang="en">
-                <a:solidFill>
-                  <a:srgbClr val="000000"/>
-                </a:solidFill>
-              </a:rPr>
-              <a:t> between the 2 variables.</a:t>
-            </a:r>
-            <a:endParaRPr sz="1100">
-              <a:solidFill>
-                <a:srgbClr val="000000"/>
-              </a:solidFill>
-            </a:endParaRPr>
-          </a:p>
-        </p:txBody>
-      </p:sp>
-      <p:sp>
-        <p:nvSpPr>
-          <p:cNvPr id="197" name="Google Shape;197;p26"/>
-          <p:cNvSpPr txBox="1"/>
-          <p:nvPr>
-            <p:ph idx="12" type="sldNum"/>
-          </p:nvPr>
-        </p:nvSpPr>
-        <p:spPr>
-          <a:xfrm>
-            <a:off x="8536302" y="4749851"/>
-            <a:ext cx="548700" cy="393600"/>
-          </a:xfrm>
-          <a:prstGeom prst="rect">
-            <a:avLst/>
-          </a:prstGeom>
-        </p:spPr>
-        <p:txBody>
-          <a:bodyPr anchorCtr="0" anchor="ctr" bIns="91425" lIns="91425" spcFirstLastPara="1" rIns="91425" wrap="square" tIns="91425">
-            <a:noAutofit/>
-          </a:bodyPr>
-          <a:lstStyle/>
-          <a:p>
-            <a:pPr indent="0" lvl="0" marL="0">
+            <a:pPr indent="0" lvl="0" marL="0" rtl="0" algn="r">
               <a:spcBef>
                 <a:spcPts val="0"/>
               </a:spcBef>
@@ -11160,7 +10793,7 @@
       </p:sp>
       <p:graphicFrame>
         <p:nvGraphicFramePr>
-          <p:cNvPr id="198" name="Google Shape;198;p26"/>
+          <p:cNvPr id="190" name="Google Shape;190;p25"/>
           <p:cNvGraphicFramePr/>
           <p:nvPr/>
         </p:nvGraphicFramePr>
@@ -11173,7 +10806,7 @@
             <a:tbl>
               <a:tblPr>
                 <a:noFill/>
-                <a:tableStyleId>{3CDA3BDD-804D-4723-AFFD-9E295B3E46DA}</a:tableStyleId>
+                <a:tableStyleId>{AF0658C7-B58F-4B9D-81AA-B1A3DCCDF7EF}</a:tableStyleId>
               </a:tblPr>
               <a:tblGrid>
                 <a:gridCol w="1084150"/>
@@ -11188,7 +10821,7 @@
                     </a:bodyPr>
                     <a:lstStyle/>
                     <a:p>
-                      <a:pPr indent="0" lvl="0" marL="0" rtl="0">
+                      <a:pPr indent="0" lvl="0" marL="0" rtl="0" algn="l">
                         <a:spcBef>
                           <a:spcPts val="0"/>
                         </a:spcBef>
@@ -11253,7 +10886,7 @@
                     </a:bodyPr>
                     <a:lstStyle/>
                     <a:p>
-                      <a:pPr indent="0" lvl="0" marL="0" rtl="0">
+                      <a:pPr indent="0" lvl="0" marL="0" rtl="0" algn="l">
                         <a:spcBef>
                           <a:spcPts val="0"/>
                         </a:spcBef>
@@ -11318,7 +10951,7 @@
                     </a:bodyPr>
                     <a:lstStyle/>
                     <a:p>
-                      <a:pPr indent="0" lvl="0" marL="0" rtl="0">
+                      <a:pPr indent="0" lvl="0" marL="0" rtl="0" algn="l">
                         <a:spcBef>
                           <a:spcPts val="0"/>
                         </a:spcBef>
@@ -11385,7 +11018,7 @@
                     </a:bodyPr>
                     <a:lstStyle/>
                     <a:p>
-                      <a:pPr indent="0" lvl="0" marL="0" rtl="0">
+                      <a:pPr indent="0" lvl="0" marL="0" rtl="0" algn="l">
                         <a:spcBef>
                           <a:spcPts val="0"/>
                         </a:spcBef>
@@ -11450,7 +11083,7 @@
                     </a:bodyPr>
                     <a:lstStyle/>
                     <a:p>
-                      <a:pPr indent="0" lvl="0" marL="0" rtl="0">
+                      <a:pPr indent="0" lvl="0" marL="0" rtl="0" algn="l">
                         <a:spcBef>
                           <a:spcPts val="0"/>
                         </a:spcBef>
@@ -11512,7 +11145,7 @@
                     </a:bodyPr>
                     <a:lstStyle/>
                     <a:p>
-                      <a:pPr indent="0" lvl="0" marL="0">
+                      <a:pPr indent="0" lvl="0" marL="0" rtl="0" algn="l">
                         <a:spcBef>
                           <a:spcPts val="0"/>
                         </a:spcBef>
@@ -11576,7 +11209,7 @@
                     </a:bodyPr>
                     <a:lstStyle/>
                     <a:p>
-                      <a:pPr indent="0" lvl="0" marL="0" rtl="0">
+                      <a:pPr indent="0" lvl="0" marL="0" rtl="0" algn="l">
                         <a:spcBef>
                           <a:spcPts val="0"/>
                         </a:spcBef>
@@ -11641,7 +11274,7 @@
                     </a:bodyPr>
                     <a:lstStyle/>
                     <a:p>
-                      <a:pPr indent="0" lvl="0" marL="0" rtl="0">
+                      <a:pPr indent="0" lvl="0" marL="0" rtl="0" algn="l">
                         <a:spcBef>
                           <a:spcPts val="0"/>
                         </a:spcBef>
@@ -11703,7 +11336,7 @@
                     </a:bodyPr>
                     <a:lstStyle/>
                     <a:p>
-                      <a:pPr indent="0" lvl="0" marL="0">
+                      <a:pPr indent="0" lvl="0" marL="0" rtl="0" algn="l">
                         <a:spcBef>
                           <a:spcPts val="0"/>
                         </a:spcBef>
@@ -11765,7 +11398,7 @@
       </p:graphicFrame>
       <p:graphicFrame>
         <p:nvGraphicFramePr>
-          <p:cNvPr id="199" name="Google Shape;199;p26"/>
+          <p:cNvPr id="191" name="Google Shape;191;p25"/>
           <p:cNvGraphicFramePr/>
           <p:nvPr/>
         </p:nvGraphicFramePr>
@@ -11778,7 +11411,7 @@
             <a:tbl>
               <a:tblPr>
                 <a:noFill/>
-                <a:tableStyleId>{3CDA3BDD-804D-4723-AFFD-9E295B3E46DA}</a:tableStyleId>
+                <a:tableStyleId>{AF0658C7-B58F-4B9D-81AA-B1A3DCCDF7EF}</a:tableStyleId>
               </a:tblPr>
               <a:tblGrid>
                 <a:gridCol w="1084150"/>
@@ -11793,7 +11426,7 @@
                     </a:bodyPr>
                     <a:lstStyle/>
                     <a:p>
-                      <a:pPr indent="0" lvl="0" marL="0" rtl="0">
+                      <a:pPr indent="0" lvl="0" marL="0" rtl="0" algn="l">
                         <a:spcBef>
                           <a:spcPts val="0"/>
                         </a:spcBef>
@@ -11858,7 +11491,7 @@
                     </a:bodyPr>
                     <a:lstStyle/>
                     <a:p>
-                      <a:pPr indent="0" lvl="0" marL="0" rtl="0">
+                      <a:pPr indent="0" lvl="0" marL="0" rtl="0" algn="l">
                         <a:spcBef>
                           <a:spcPts val="0"/>
                         </a:spcBef>
@@ -11923,7 +11556,7 @@
                     </a:bodyPr>
                     <a:lstStyle/>
                     <a:p>
-                      <a:pPr indent="0" lvl="0" marL="0" rtl="0">
+                      <a:pPr indent="0" lvl="0" marL="0" rtl="0" algn="l">
                         <a:spcBef>
                           <a:spcPts val="0"/>
                         </a:spcBef>
@@ -11990,7 +11623,7 @@
                     </a:bodyPr>
                     <a:lstStyle/>
                     <a:p>
-                      <a:pPr indent="0" lvl="0" marL="0" rtl="0">
+                      <a:pPr indent="0" lvl="0" marL="0" rtl="0" algn="l">
                         <a:spcBef>
                           <a:spcPts val="0"/>
                         </a:spcBef>
@@ -12055,7 +11688,7 @@
                     </a:bodyPr>
                     <a:lstStyle/>
                     <a:p>
-                      <a:pPr indent="0" lvl="0" marL="0" rtl="0">
+                      <a:pPr indent="0" lvl="0" marL="0" rtl="0" algn="l">
                         <a:spcBef>
                           <a:spcPts val="0"/>
                         </a:spcBef>
@@ -12066,7 +11699,7 @@
                       </a:pPr>
                       <a:r>
                         <a:rPr lang="en" sz="1200"/>
-                        <a:t>0.3924</a:t>
+                        <a:t>0.4123</a:t>
                       </a:r>
                       <a:endParaRPr sz="1200"/>
                     </a:p>
@@ -12117,7 +11750,7 @@
                     </a:bodyPr>
                     <a:lstStyle/>
                     <a:p>
-                      <a:pPr indent="0" lvl="0" marL="0" rtl="0">
+                      <a:pPr indent="0" lvl="0" marL="0" rtl="0" algn="l">
                         <a:spcBef>
                           <a:spcPts val="0"/>
                         </a:spcBef>
@@ -12128,7 +11761,7 @@
                       </a:pPr>
                       <a:r>
                         <a:rPr lang="en" sz="1200"/>
-                        <a:t>0.5719</a:t>
+                        <a:t>0.6005</a:t>
                       </a:r>
                       <a:endParaRPr sz="1200"/>
                     </a:p>
@@ -12181,7 +11814,7 @@
                     </a:bodyPr>
                     <a:lstStyle/>
                     <a:p>
-                      <a:pPr indent="0" lvl="0" marL="0" rtl="0">
+                      <a:pPr indent="0" lvl="0" marL="0" rtl="0" algn="l">
                         <a:spcBef>
                           <a:spcPts val="0"/>
                         </a:spcBef>
@@ -12246,7 +11879,7 @@
                     </a:bodyPr>
                     <a:lstStyle/>
                     <a:p>
-                      <a:pPr indent="0" lvl="0" marL="0" rtl="0">
+                      <a:pPr indent="0" lvl="0" marL="0" rtl="0" algn="l">
                         <a:spcBef>
                           <a:spcPts val="0"/>
                         </a:spcBef>
@@ -12257,7 +11890,7 @@
                       </a:pPr>
                       <a:r>
                         <a:rPr lang="en" sz="1200"/>
-                        <a:t>0.3835</a:t>
+                        <a:t>0.3193</a:t>
                       </a:r>
                       <a:endParaRPr sz="1200"/>
                     </a:p>
@@ -12308,7 +11941,7 @@
                     </a:bodyPr>
                     <a:lstStyle/>
                     <a:p>
-                      <a:pPr indent="0" lvl="0" marL="0" rtl="0">
+                      <a:pPr indent="0" lvl="0" marL="0" rtl="0" algn="l">
                         <a:spcBef>
                           <a:spcPts val="0"/>
                         </a:spcBef>
@@ -12319,7 +11952,7 @@
                       </a:pPr>
                       <a:r>
                         <a:rPr lang="en" sz="1200"/>
-                        <a:t>0.4747</a:t>
+                        <a:t>0.4207</a:t>
                       </a:r>
                       <a:endParaRPr sz="1200"/>
                     </a:p>
@@ -12376,12 +12009,12 @@
 </p:sld>
 </file>
 
-<file path=ppt/slides/slide15.xml><?xml version="1.0" encoding="utf-8"?>
+<file path=ppt/slides/slide14.xml><?xml version="1.0" encoding="utf-8"?>
 <p:sld xmlns:a="http://schemas.openxmlformats.org/drawingml/2006/main" xmlns:r="http://schemas.openxmlformats.org/officeDocument/2006/relationships" xmlns:mc="http://schemas.openxmlformats.org/markup-compatibility/2006" xmlns:mv="urn:schemas-microsoft-com:mac:vml" xmlns:p="http://schemas.openxmlformats.org/presentationml/2006/main" xmlns:c="http://schemas.openxmlformats.org/drawingml/2006/chart" xmlns:dgm="http://schemas.openxmlformats.org/drawingml/2006/diagram" xmlns:o="urn:schemas-microsoft-com:office:office" xmlns:v="urn:schemas-microsoft-com:vml" xmlns:pvml="urn:schemas-microsoft-com:office:powerpoint" xmlns:com="http://schemas.openxmlformats.org/drawingml/2006/compatibility" xmlns:p14="http://schemas.microsoft.com/office/powerpoint/2010/main" xmlns:p15="http://schemas.microsoft.com/office/powerpoint/2012/main">
   <p:cSld>
     <p:spTree>
       <p:nvGrpSpPr>
-        <p:cNvPr id="203" name="Shape 203"/>
+        <p:cNvPr id="195" name="Shape 195"/>
         <p:cNvGrpSpPr/>
         <p:nvPr/>
       </p:nvGrpSpPr>
@@ -12395,7 +12028,7 @@
       </p:grpSpPr>
       <p:sp>
         <p:nvSpPr>
-          <p:cNvPr id="204" name="Google Shape;204;p27"/>
+          <p:cNvPr id="196" name="Google Shape;196;p26"/>
           <p:cNvSpPr txBox="1"/>
           <p:nvPr>
             <p:ph type="title"/>
@@ -12416,7 +12049,7 @@
           </a:bodyPr>
           <a:lstStyle/>
           <a:p>
-            <a:pPr indent="0" lvl="0" marL="0">
+            <a:pPr indent="0" lvl="0" marL="0" rtl="0" algn="l">
               <a:spcBef>
                 <a:spcPts val="0"/>
               </a:spcBef>
@@ -12435,7 +12068,7 @@
       </p:sp>
       <p:sp>
         <p:nvSpPr>
-          <p:cNvPr id="205" name="Google Shape;205;p27"/>
+          <p:cNvPr id="197" name="Google Shape;197;p26"/>
           <p:cNvSpPr txBox="1"/>
           <p:nvPr>
             <p:ph idx="1" type="body"/>
@@ -12456,7 +12089,7 @@
           </a:bodyPr>
           <a:lstStyle/>
           <a:p>
-            <a:pPr indent="-304800" lvl="0" marL="457200" rtl="0">
+            <a:pPr indent="-304800" lvl="0" marL="457200" rtl="0" algn="l">
               <a:spcBef>
                 <a:spcPts val="0"/>
               </a:spcBef>
@@ -12500,7 +12133,7 @@
             </a:endParaRPr>
           </a:p>
           <a:p>
-            <a:pPr indent="-304800" lvl="0" marL="457200" rtl="0">
+            <a:pPr indent="-304800" lvl="0" marL="457200" rtl="0" algn="l">
               <a:spcBef>
                 <a:spcPts val="0"/>
               </a:spcBef>
@@ -12560,7 +12193,7 @@
             </a:endParaRPr>
           </a:p>
           <a:p>
-            <a:pPr indent="-304800" lvl="0" marL="457200" rtl="0">
+            <a:pPr indent="-304800" lvl="0" marL="457200" rtl="0" algn="l">
               <a:spcBef>
                 <a:spcPts val="0"/>
               </a:spcBef>
@@ -12619,7 +12252,7 @@
             </a:endParaRPr>
           </a:p>
           <a:p>
-            <a:pPr indent="-304800" lvl="0" marL="457200" rtl="0">
+            <a:pPr indent="-304800" lvl="0" marL="457200" rtl="0" algn="l">
               <a:spcBef>
                 <a:spcPts val="0"/>
               </a:spcBef>
@@ -12658,7 +12291,7 @@
       </p:sp>
       <p:sp>
         <p:nvSpPr>
-          <p:cNvPr id="206" name="Google Shape;206;p27"/>
+          <p:cNvPr id="198" name="Google Shape;198;p26"/>
           <p:cNvSpPr txBox="1"/>
           <p:nvPr>
             <p:ph idx="12" type="sldNum"/>
@@ -12679,7 +12312,7 @@
           </a:bodyPr>
           <a:lstStyle/>
           <a:p>
-            <a:pPr indent="0" lvl="0" marL="0">
+            <a:pPr indent="0" lvl="0" marL="0" rtl="0" algn="r">
               <a:spcBef>
                 <a:spcPts val="0"/>
               </a:spcBef>
@@ -12698,7 +12331,7 @@
       </p:sp>
       <p:graphicFrame>
         <p:nvGraphicFramePr>
-          <p:cNvPr id="207" name="Google Shape;207;p27"/>
+          <p:cNvPr id="199" name="Google Shape;199;p26"/>
           <p:cNvGraphicFramePr/>
           <p:nvPr/>
         </p:nvGraphicFramePr>
@@ -12711,7 +12344,7 @@
             <a:tbl>
               <a:tblPr>
                 <a:noFill/>
-                <a:tableStyleId>{3CDA3BDD-804D-4723-AFFD-9E295B3E46DA}</a:tableStyleId>
+                <a:tableStyleId>{AF0658C7-B58F-4B9D-81AA-B1A3DCCDF7EF}</a:tableStyleId>
               </a:tblPr>
               <a:tblGrid>
                 <a:gridCol w="1076975"/>
@@ -12726,7 +12359,7 @@
                     </a:bodyPr>
                     <a:lstStyle/>
                     <a:p>
-                      <a:pPr indent="0" lvl="0" marL="0">
+                      <a:pPr indent="0" lvl="0" marL="0" rtl="0" algn="l">
                         <a:spcBef>
                           <a:spcPts val="0"/>
                         </a:spcBef>
@@ -12795,7 +12428,7 @@
                     </a:bodyPr>
                     <a:lstStyle/>
                     <a:p>
-                      <a:pPr indent="0" lvl="0" marL="0">
+                      <a:pPr indent="0" lvl="0" marL="0" rtl="0" algn="l">
                         <a:spcBef>
                           <a:spcPts val="0"/>
                         </a:spcBef>
@@ -12860,7 +12493,7 @@
                     </a:bodyPr>
                     <a:lstStyle/>
                     <a:p>
-                      <a:pPr indent="0" lvl="0" marL="0">
+                      <a:pPr indent="0" lvl="0" marL="0" rtl="0" algn="l">
                         <a:spcBef>
                           <a:spcPts val="0"/>
                         </a:spcBef>
@@ -12927,7 +12560,7 @@
                     </a:bodyPr>
                     <a:lstStyle/>
                     <a:p>
-                      <a:pPr indent="0" lvl="0" marL="0">
+                      <a:pPr indent="0" lvl="0" marL="0" rtl="0" algn="l">
                         <a:spcBef>
                           <a:spcPts val="0"/>
                         </a:spcBef>
@@ -12992,7 +12625,7 @@
                     </a:bodyPr>
                     <a:lstStyle/>
                     <a:p>
-                      <a:pPr indent="0" lvl="0" marL="0">
+                      <a:pPr indent="0" lvl="0" marL="0" rtl="0" algn="l">
                         <a:spcBef>
                           <a:spcPts val="0"/>
                         </a:spcBef>
@@ -13003,7 +12636,7 @@
                       </a:pPr>
                       <a:r>
                         <a:rPr lang="en" sz="1000"/>
-                        <a:t>0.1258</a:t>
+                        <a:t>0.3304</a:t>
                       </a:r>
                       <a:endParaRPr sz="1000"/>
                     </a:p>
@@ -13054,7 +12687,7 @@
                     </a:bodyPr>
                     <a:lstStyle/>
                     <a:p>
-                      <a:pPr indent="0" lvl="0" marL="0">
+                      <a:pPr indent="0" lvl="0" marL="0" rtl="0" algn="l">
                         <a:spcBef>
                           <a:spcPts val="0"/>
                         </a:spcBef>
@@ -13065,7 +12698,7 @@
                       </a:pPr>
                       <a:r>
                         <a:rPr lang="en" sz="1000"/>
-                        <a:t>0.3143</a:t>
+                        <a:t>0.4898</a:t>
                       </a:r>
                       <a:endParaRPr sz="1000"/>
                     </a:p>
@@ -13118,7 +12751,7 @@
                     </a:bodyPr>
                     <a:lstStyle/>
                     <a:p>
-                      <a:pPr indent="0" lvl="0" marL="0">
+                      <a:pPr indent="0" lvl="0" marL="0" rtl="0" algn="l">
                         <a:spcBef>
                           <a:spcPts val="0"/>
                         </a:spcBef>
@@ -13183,7 +12816,7 @@
                     </a:bodyPr>
                     <a:lstStyle/>
                     <a:p>
-                      <a:pPr indent="0" lvl="0" marL="0">
+                      <a:pPr indent="0" lvl="0" marL="0" rtl="0" algn="l">
                         <a:spcBef>
                           <a:spcPts val="0"/>
                         </a:spcBef>
@@ -13194,7 +12827,11 @@
                       </a:pPr>
                       <a:r>
                         <a:rPr lang="en" sz="1000"/>
-                        <a:t>0.9325</a:t>
+                        <a:t>0.</a:t>
+                      </a:r>
+                      <a:r>
+                        <a:rPr lang="en" sz="1000"/>
+                        <a:t>5348</a:t>
                       </a:r>
                       <a:endParaRPr sz="1000"/>
                     </a:p>
@@ -13245,7 +12882,7 @@
                     </a:bodyPr>
                     <a:lstStyle/>
                     <a:p>
-                      <a:pPr indent="0" lvl="0" marL="0">
+                      <a:pPr indent="0" lvl="0" marL="0" rtl="0" algn="l">
                         <a:spcBef>
                           <a:spcPts val="0"/>
                         </a:spcBef>
@@ -13256,7 +12893,7 @@
                       </a:pPr>
                       <a:r>
                         <a:rPr lang="en" sz="1000"/>
-                        <a:t>0.7776</a:t>
+                        <a:t>0.4666</a:t>
                       </a:r>
                       <a:endParaRPr sz="1000"/>
                     </a:p>
@@ -13307,7 +12944,7 @@
       </p:graphicFrame>
       <p:pic>
         <p:nvPicPr>
-          <p:cNvPr id="208" name="Google Shape;208;p27"/>
+          <p:cNvPr id="200" name="Google Shape;200;p26"/>
           <p:cNvPicPr preferRelativeResize="0"/>
           <p:nvPr/>
         </p:nvPicPr>
@@ -13341,12 +12978,12 @@
 </p:sld>
 </file>
 
-<file path=ppt/slides/slide16.xml><?xml version="1.0" encoding="utf-8"?>
+<file path=ppt/slides/slide15.xml><?xml version="1.0" encoding="utf-8"?>
 <p:sld xmlns:a="http://schemas.openxmlformats.org/drawingml/2006/main" xmlns:r="http://schemas.openxmlformats.org/officeDocument/2006/relationships" xmlns:mc="http://schemas.openxmlformats.org/markup-compatibility/2006" xmlns:mv="urn:schemas-microsoft-com:mac:vml" xmlns:p="http://schemas.openxmlformats.org/presentationml/2006/main" xmlns:c="http://schemas.openxmlformats.org/drawingml/2006/chart" xmlns:dgm="http://schemas.openxmlformats.org/drawingml/2006/diagram" xmlns:o="urn:schemas-microsoft-com:office:office" xmlns:v="urn:schemas-microsoft-com:vml" xmlns:pvml="urn:schemas-microsoft-com:office:powerpoint" xmlns:com="http://schemas.openxmlformats.org/drawingml/2006/compatibility" xmlns:p14="http://schemas.microsoft.com/office/powerpoint/2010/main" xmlns:p15="http://schemas.microsoft.com/office/powerpoint/2012/main">
   <p:cSld>
     <p:spTree>
       <p:nvGrpSpPr>
-        <p:cNvPr id="212" name="Shape 212"/>
+        <p:cNvPr id="204" name="Shape 204"/>
         <p:cNvGrpSpPr/>
         <p:nvPr/>
       </p:nvGrpSpPr>
@@ -13360,7 +12997,7 @@
       </p:grpSpPr>
       <p:sp>
         <p:nvSpPr>
-          <p:cNvPr id="213" name="Google Shape;213;p28"/>
+          <p:cNvPr id="205" name="Google Shape;205;p27"/>
           <p:cNvSpPr txBox="1"/>
           <p:nvPr>
             <p:ph type="title"/>
@@ -13381,7 +13018,7 @@
           </a:bodyPr>
           <a:lstStyle/>
           <a:p>
-            <a:pPr indent="0" lvl="0" marL="0" rtl="0">
+            <a:pPr indent="0" lvl="0" marL="0" rtl="0" algn="l">
               <a:spcBef>
                 <a:spcPts val="0"/>
               </a:spcBef>
@@ -13400,7 +13037,7 @@
       </p:sp>
       <p:sp>
         <p:nvSpPr>
-          <p:cNvPr id="214" name="Google Shape;214;p28"/>
+          <p:cNvPr id="206" name="Google Shape;206;p27"/>
           <p:cNvSpPr txBox="1"/>
           <p:nvPr>
             <p:ph idx="1" type="body"/>
@@ -13421,7 +13058,7 @@
           </a:bodyPr>
           <a:lstStyle/>
           <a:p>
-            <a:pPr indent="-304800" lvl="0" marL="457200" rtl="0">
+            <a:pPr indent="-304800" lvl="0" marL="457200" rtl="0" algn="l">
               <a:spcBef>
                 <a:spcPts val="0"/>
               </a:spcBef>
@@ -13457,7 +13094,7 @@
             </a:endParaRPr>
           </a:p>
           <a:p>
-            <a:pPr indent="-304800" lvl="0" marL="457200" rtl="0">
+            <a:pPr indent="-304800" lvl="0" marL="457200" rtl="0" algn="l">
               <a:spcBef>
                 <a:spcPts val="0"/>
               </a:spcBef>
@@ -13492,7 +13129,7 @@
             </a:endParaRPr>
           </a:p>
           <a:p>
-            <a:pPr indent="-304800" lvl="0" marL="457200" rtl="0">
+            <a:pPr indent="-304800" lvl="0" marL="457200" rtl="0" algn="l">
               <a:spcBef>
                 <a:spcPts val="0"/>
               </a:spcBef>
@@ -13519,7 +13156,7 @@
                   <a:srgbClr val="000000"/>
                 </a:solidFill>
               </a:rPr>
-              <a:t>: The most important features for predicting the number of people killed were the primary characteristics, secondary characteristics, the number of female participants and number of adults.</a:t>
+              <a:t>: The most important features for predicting the number of people killed were the number of people injured, number of adults and state house district.</a:t>
             </a:r>
             <a:endParaRPr sz="1200">
               <a:solidFill>
@@ -13528,7 +13165,7 @@
             </a:endParaRPr>
           </a:p>
           <a:p>
-            <a:pPr indent="-304800" lvl="0" marL="457200" rtl="0">
+            <a:pPr indent="-304800" lvl="0" marL="457200" rtl="0" algn="l">
               <a:spcBef>
                 <a:spcPts val="0"/>
               </a:spcBef>
@@ -13547,7 +13184,7 @@
                   <a:srgbClr val="000000"/>
                 </a:solidFill>
               </a:rPr>
-              <a:t>There were several more important features for predicting the number of people injured such as the year and the city.</a:t>
+              <a:t>For predicting the number of people injured, it was the number of adults, the number of people killed, and the number of males.</a:t>
             </a:r>
             <a:endParaRPr sz="1200">
               <a:solidFill>
@@ -13559,7 +13196,7 @@
       </p:sp>
       <p:sp>
         <p:nvSpPr>
-          <p:cNvPr id="215" name="Google Shape;215;p28"/>
+          <p:cNvPr id="207" name="Google Shape;207;p27"/>
           <p:cNvSpPr txBox="1"/>
           <p:nvPr>
             <p:ph idx="12" type="sldNum"/>
@@ -13580,7 +13217,7 @@
           </a:bodyPr>
           <a:lstStyle/>
           <a:p>
-            <a:pPr indent="0" lvl="0" marL="0" rtl="0">
+            <a:pPr indent="0" lvl="0" marL="0" rtl="0" algn="r">
               <a:spcBef>
                 <a:spcPts val="0"/>
               </a:spcBef>
@@ -13599,7 +13236,7 @@
       </p:sp>
       <p:graphicFrame>
         <p:nvGraphicFramePr>
-          <p:cNvPr id="216" name="Google Shape;216;p28"/>
+          <p:cNvPr id="208" name="Google Shape;208;p27"/>
           <p:cNvGraphicFramePr/>
           <p:nvPr/>
         </p:nvGraphicFramePr>
@@ -13612,7 +13249,7 @@
             <a:tbl>
               <a:tblPr>
                 <a:noFill/>
-                <a:tableStyleId>{3CDA3BDD-804D-4723-AFFD-9E295B3E46DA}</a:tableStyleId>
+                <a:tableStyleId>{AF0658C7-B58F-4B9D-81AA-B1A3DCCDF7EF}</a:tableStyleId>
               </a:tblPr>
               <a:tblGrid>
                 <a:gridCol w="1136675"/>
@@ -13627,7 +13264,7 @@
                     </a:bodyPr>
                     <a:lstStyle/>
                     <a:p>
-                      <a:pPr indent="0" lvl="0" marL="0" rtl="0">
+                      <a:pPr indent="0" lvl="0" marL="0" rtl="0" algn="l">
                         <a:spcBef>
                           <a:spcPts val="0"/>
                         </a:spcBef>
@@ -13692,7 +13329,7 @@
                     </a:bodyPr>
                     <a:lstStyle/>
                     <a:p>
-                      <a:pPr indent="0" lvl="0" marL="0" rtl="0">
+                      <a:pPr indent="0" lvl="0" marL="0" rtl="0" algn="l">
                         <a:spcBef>
                           <a:spcPts val="0"/>
                         </a:spcBef>
@@ -13757,7 +13394,7 @@
                     </a:bodyPr>
                     <a:lstStyle/>
                     <a:p>
-                      <a:pPr indent="0" lvl="0" marL="0" rtl="0">
+                      <a:pPr indent="0" lvl="0" marL="0" rtl="0" algn="l">
                         <a:spcBef>
                           <a:spcPts val="0"/>
                         </a:spcBef>
@@ -13824,7 +13461,7 @@
                     </a:bodyPr>
                     <a:lstStyle/>
                     <a:p>
-                      <a:pPr indent="0" lvl="0" marL="0" rtl="0">
+                      <a:pPr indent="0" lvl="0" marL="0" rtl="0" algn="l">
                         <a:spcBef>
                           <a:spcPts val="0"/>
                         </a:spcBef>
@@ -13889,7 +13526,7 @@
                     </a:bodyPr>
                     <a:lstStyle/>
                     <a:p>
-                      <a:pPr indent="0" lvl="0" marL="0" rtl="0">
+                      <a:pPr indent="0" lvl="0" marL="0" rtl="0" algn="l">
                         <a:spcBef>
                           <a:spcPts val="0"/>
                         </a:spcBef>
@@ -13900,7 +13537,7 @@
                       </a:pPr>
                       <a:r>
                         <a:rPr lang="en" sz="1000"/>
-                        <a:t>0.1566</a:t>
+                        <a:t>0.3401</a:t>
                       </a:r>
                       <a:endParaRPr sz="1000"/>
                     </a:p>
@@ -13951,7 +13588,7 @@
                     </a:bodyPr>
                     <a:lstStyle/>
                     <a:p>
-                      <a:pPr indent="0" lvl="0" marL="0" rtl="0">
+                      <a:pPr indent="0" lvl="0" marL="0" rtl="0" algn="l">
                         <a:spcBef>
                           <a:spcPts val="0"/>
                         </a:spcBef>
@@ -13962,7 +13599,7 @@
                       </a:pPr>
                       <a:r>
                         <a:rPr lang="en" sz="1000"/>
-                        <a:t>0.3589</a:t>
+                        <a:t>0.5379</a:t>
                       </a:r>
                       <a:endParaRPr sz="1000"/>
                     </a:p>
@@ -14015,7 +13652,7 @@
                     </a:bodyPr>
                     <a:lstStyle/>
                     <a:p>
-                      <a:pPr indent="0" lvl="0" marL="0" rtl="0">
+                      <a:pPr indent="0" lvl="0" marL="0" rtl="0" algn="l">
                         <a:spcBef>
                           <a:spcPts val="0"/>
                         </a:spcBef>
@@ -14080,7 +13717,7 @@
                     </a:bodyPr>
                     <a:lstStyle/>
                     <a:p>
-                      <a:pPr indent="0" lvl="0" marL="0" rtl="0">
+                      <a:pPr indent="0" lvl="0" marL="0" rtl="0" algn="l">
                         <a:spcBef>
                           <a:spcPts val="0"/>
                         </a:spcBef>
@@ -14091,7 +13728,11 @@
                       </a:pPr>
                       <a:r>
                         <a:rPr lang="en" sz="1000"/>
-                        <a:t>0.9023</a:t>
+                        <a:t>0.</a:t>
+                      </a:r>
+                      <a:r>
+                        <a:rPr lang="en" sz="1000"/>
+                        <a:t>5398</a:t>
                       </a:r>
                       <a:endParaRPr sz="1000"/>
                     </a:p>
@@ -14142,7 +13783,7 @@
                     </a:bodyPr>
                     <a:lstStyle/>
                     <a:p>
-                      <a:pPr indent="0" lvl="0" marL="0" rtl="0">
+                      <a:pPr indent="0" lvl="0" marL="0" rtl="0" algn="l">
                         <a:spcBef>
                           <a:spcPts val="0"/>
                         </a:spcBef>
@@ -14153,7 +13794,7 @@
                       </a:pPr>
                       <a:r>
                         <a:rPr lang="en" sz="1000"/>
-                        <a:t>0.7822</a:t>
+                        <a:t>0.5110</a:t>
                       </a:r>
                       <a:endParaRPr sz="1000"/>
                     </a:p>
@@ -14206,7 +13847,7 @@
                     </a:bodyPr>
                     <a:lstStyle/>
                     <a:p>
-                      <a:pPr indent="0" lvl="0" marL="0" rtl="0">
+                      <a:pPr indent="0" lvl="0" marL="0" rtl="0" algn="l">
                         <a:spcBef>
                           <a:spcPts val="0"/>
                         </a:spcBef>
@@ -14271,7 +13912,7 @@
                     </a:bodyPr>
                     <a:lstStyle/>
                     <a:p>
-                      <a:pPr indent="0" lvl="0" marL="0" rtl="0">
+                      <a:pPr indent="0" lvl="0" marL="0" rtl="0" algn="l">
                         <a:spcBef>
                           <a:spcPts val="0"/>
                         </a:spcBef>
@@ -14336,7 +13977,7 @@
                     </a:bodyPr>
                     <a:lstStyle/>
                     <a:p>
-                      <a:pPr indent="0" lvl="0" marL="0" rtl="0">
+                      <a:pPr indent="0" lvl="0" marL="0" rtl="0" algn="l">
                         <a:spcBef>
                           <a:spcPts val="0"/>
                         </a:spcBef>
@@ -14403,7 +14044,7 @@
                     </a:bodyPr>
                     <a:lstStyle/>
                     <a:p>
-                      <a:pPr indent="0" lvl="0" marL="0" rtl="0">
+                      <a:pPr indent="0" lvl="0" marL="0" rtl="0" algn="l">
                         <a:spcBef>
                           <a:spcPts val="0"/>
                         </a:spcBef>
@@ -14468,7 +14109,7 @@
                     </a:bodyPr>
                     <a:lstStyle/>
                     <a:p>
-                      <a:pPr indent="0" lvl="0" marL="0" rtl="0">
+                      <a:pPr indent="0" lvl="0" marL="0" rtl="0" algn="l">
                         <a:spcBef>
                           <a:spcPts val="0"/>
                         </a:spcBef>
@@ -14479,7 +14120,7 @@
                       </a:pPr>
                       <a:r>
                         <a:rPr lang="en" sz="1000"/>
-                        <a:t>0.1205</a:t>
+                        <a:t>0.3137</a:t>
                       </a:r>
                       <a:endParaRPr sz="1000"/>
                     </a:p>
@@ -14530,7 +14171,7 @@
                     </a:bodyPr>
                     <a:lstStyle/>
                     <a:p>
-                      <a:pPr indent="0" lvl="0" marL="0" rtl="0">
+                      <a:pPr indent="0" lvl="0" marL="0" rtl="0" algn="l">
                         <a:spcBef>
                           <a:spcPts val="0"/>
                         </a:spcBef>
@@ -14541,7 +14182,7 @@
                       </a:pPr>
                       <a:r>
                         <a:rPr lang="en" sz="1000"/>
-                        <a:t>0.2919</a:t>
+                        <a:t>0.4680</a:t>
                       </a:r>
                       <a:endParaRPr sz="1000"/>
                     </a:p>
@@ -14594,7 +14235,7 @@
                     </a:bodyPr>
                     <a:lstStyle/>
                     <a:p>
-                      <a:pPr indent="0" lvl="0" marL="0" rtl="0">
+                      <a:pPr indent="0" lvl="0" marL="0" rtl="0" algn="l">
                         <a:spcBef>
                           <a:spcPts val="0"/>
                         </a:spcBef>
@@ -14659,7 +14300,7 @@
                     </a:bodyPr>
                     <a:lstStyle/>
                     <a:p>
-                      <a:pPr indent="0" lvl="0" marL="0" rtl="0">
+                      <a:pPr indent="0" lvl="0" marL="0" rtl="0" algn="l">
                         <a:spcBef>
                           <a:spcPts val="0"/>
                         </a:spcBef>
@@ -14670,7 +14311,7 @@
                       </a:pPr>
                       <a:r>
                         <a:rPr lang="en" sz="1000"/>
-                        <a:t>0.9368</a:t>
+                        <a:t>0.5718</a:t>
                       </a:r>
                       <a:endParaRPr sz="1000"/>
                     </a:p>
@@ -14721,7 +14362,7 @@
                     </a:bodyPr>
                     <a:lstStyle/>
                     <a:p>
-                      <a:pPr indent="0" lvl="0" marL="0" rtl="0">
+                      <a:pPr indent="0" lvl="0" marL="0" rtl="0" algn="l">
                         <a:spcBef>
                           <a:spcPts val="0"/>
                         </a:spcBef>
@@ -14732,7 +14373,7 @@
                       </a:pPr>
                       <a:r>
                         <a:rPr lang="en" sz="1000"/>
-                        <a:t>0.8149</a:t>
+                        <a:t>0.5245</a:t>
                       </a:r>
                       <a:endParaRPr sz="1000"/>
                     </a:p>
@@ -14789,12 +14430,12 @@
 </p:sld>
 </file>
 
-<file path=ppt/slides/slide17.xml><?xml version="1.0" encoding="utf-8"?>
+<file path=ppt/slides/slide16.xml><?xml version="1.0" encoding="utf-8"?>
 <p:sld xmlns:a="http://schemas.openxmlformats.org/drawingml/2006/main" xmlns:r="http://schemas.openxmlformats.org/officeDocument/2006/relationships" xmlns:mc="http://schemas.openxmlformats.org/markup-compatibility/2006" xmlns:mv="urn:schemas-microsoft-com:mac:vml" xmlns:p="http://schemas.openxmlformats.org/presentationml/2006/main" xmlns:c="http://schemas.openxmlformats.org/drawingml/2006/chart" xmlns:dgm="http://schemas.openxmlformats.org/drawingml/2006/diagram" xmlns:o="urn:schemas-microsoft-com:office:office" xmlns:v="urn:schemas-microsoft-com:vml" xmlns:pvml="urn:schemas-microsoft-com:office:powerpoint" xmlns:com="http://schemas.openxmlformats.org/drawingml/2006/compatibility" xmlns:p14="http://schemas.microsoft.com/office/powerpoint/2010/main" xmlns:p15="http://schemas.microsoft.com/office/powerpoint/2012/main">
   <p:cSld>
     <p:spTree>
       <p:nvGrpSpPr>
-        <p:cNvPr id="220" name="Shape 220"/>
+        <p:cNvPr id="212" name="Shape 212"/>
         <p:cNvGrpSpPr/>
         <p:nvPr/>
       </p:nvGrpSpPr>
@@ -14808,7 +14449,7 @@
       </p:grpSpPr>
       <p:sp>
         <p:nvSpPr>
-          <p:cNvPr id="221" name="Google Shape;221;p29"/>
+          <p:cNvPr id="213" name="Google Shape;213;p28"/>
           <p:cNvSpPr txBox="1"/>
           <p:nvPr>
             <p:ph type="title"/>
@@ -14829,7 +14470,7 @@
           </a:bodyPr>
           <a:lstStyle/>
           <a:p>
-            <a:pPr indent="0" lvl="0" marL="0">
+            <a:pPr indent="0" lvl="0" marL="0" rtl="0" algn="l">
               <a:spcBef>
                 <a:spcPts val="0"/>
               </a:spcBef>
@@ -14848,7 +14489,7 @@
       </p:sp>
       <p:sp>
         <p:nvSpPr>
-          <p:cNvPr id="222" name="Google Shape;222;p29"/>
+          <p:cNvPr id="214" name="Google Shape;214;p28"/>
           <p:cNvSpPr txBox="1"/>
           <p:nvPr>
             <p:ph idx="12" type="sldNum"/>
@@ -14869,7 +14510,7 @@
           </a:bodyPr>
           <a:lstStyle/>
           <a:p>
-            <a:pPr indent="0" lvl="0" marL="0">
+            <a:pPr indent="0" lvl="0" marL="0" rtl="0" algn="r">
               <a:spcBef>
                 <a:spcPts val="0"/>
               </a:spcBef>
@@ -14888,7 +14529,7 @@
       </p:sp>
       <p:pic>
         <p:nvPicPr>
-          <p:cNvPr id="223" name="Google Shape;223;p29"/>
+          <p:cNvPr id="215" name="Google Shape;215;p28"/>
           <p:cNvPicPr preferRelativeResize="0"/>
           <p:nvPr/>
         </p:nvPicPr>
@@ -14902,8 +14543,8 @@
         </p:blipFill>
         <p:spPr>
           <a:xfrm>
-            <a:off x="1279475" y="1346775"/>
-            <a:ext cx="6521726" cy="3605075"/>
+            <a:off x="1284275" y="1289875"/>
+            <a:ext cx="6881488" cy="3708400"/>
           </a:xfrm>
           <a:prstGeom prst="rect">
             <a:avLst/>
@@ -14916,14 +14557,14 @@
       </p:pic>
       <p:sp>
         <p:nvSpPr>
-          <p:cNvPr id="224" name="Google Shape;224;p29"/>
+          <p:cNvPr id="216" name="Google Shape;216;p28"/>
           <p:cNvSpPr txBox="1"/>
           <p:nvPr/>
         </p:nvSpPr>
         <p:spPr>
           <a:xfrm>
-            <a:off x="1419900" y="1604675"/>
-            <a:ext cx="2980200" cy="644700"/>
+            <a:off x="2091800" y="1468550"/>
+            <a:ext cx="2973000" cy="422700"/>
           </a:xfrm>
           <a:prstGeom prst="rect">
             <a:avLst/>
@@ -14939,7 +14580,7 @@
           </a:bodyPr>
           <a:lstStyle/>
           <a:p>
-            <a:pPr indent="-292100" lvl="0" marL="457200" rtl="0">
+            <a:pPr indent="-292100" lvl="0" marL="457200" rtl="0" algn="l">
               <a:spcBef>
                 <a:spcPts val="0"/>
               </a:spcBef>
@@ -14951,24 +14592,65 @@
             </a:pPr>
             <a:r>
               <a:rPr lang="en" sz="1000"/>
-              <a:t>The most important feature for both response variables was the primary incident characteristic.</a:t>
+              <a:t>The most important feature for predicting number of deaths was the number of injuries.</a:t>
             </a:r>
             <a:endParaRPr sz="1000"/>
+          </a:p>
+        </p:txBody>
+      </p:sp>
+      <p:sp>
+        <p:nvSpPr>
+          <p:cNvPr id="217" name="Google Shape;217;p28"/>
+          <p:cNvSpPr txBox="1"/>
+          <p:nvPr/>
+        </p:nvSpPr>
+        <p:spPr>
+          <a:xfrm>
+            <a:off x="5028975" y="2163425"/>
+            <a:ext cx="2908500" cy="535200"/>
+          </a:xfrm>
+          <a:prstGeom prst="rect">
+            <a:avLst/>
+          </a:prstGeom>
+          <a:noFill/>
+          <a:ln>
+            <a:noFill/>
+          </a:ln>
+        </p:spPr>
+        <p:txBody>
+          <a:bodyPr anchorCtr="0" anchor="t" bIns="91425" lIns="91425" spcFirstLastPara="1" rIns="91425" wrap="square" tIns="91425">
+            <a:noAutofit/>
+          </a:bodyPr>
+          <a:lstStyle/>
+          <a:p>
+            <a:pPr indent="-292100" lvl="0" marL="457200" rtl="0" algn="l">
+              <a:spcBef>
+                <a:spcPts val="0"/>
+              </a:spcBef>
+              <a:spcAft>
+                <a:spcPts val="0"/>
+              </a:spcAft>
+              <a:buSzPts val="1000"/>
+              <a:buChar char="★"/>
+            </a:pPr>
+            <a:r>
+              <a:rPr lang="en" sz="1000"/>
+              <a:t>The most important feature for predicting number of injuries was the number of adult participants.</a:t>
+            </a:r>
+            <a:endParaRPr/>
           </a:p>
         </p:txBody>
       </p:sp>
       <p:cxnSp>
         <p:nvCxnSpPr>
-          <p:cNvPr id="225" name="Google Shape;225;p29"/>
-          <p:cNvCxnSpPr>
-            <a:stCxn id="224" idx="3"/>
-          </p:cNvCxnSpPr>
+          <p:cNvPr id="218" name="Google Shape;218;p28"/>
+          <p:cNvCxnSpPr/>
           <p:nvPr/>
         </p:nvCxnSpPr>
         <p:spPr>
-          <a:xfrm flipH="1" rot="10800000">
-            <a:off x="4400100" y="1633325"/>
-            <a:ext cx="2312400" cy="293700"/>
+          <a:xfrm rot="10800000">
+            <a:off x="1991375" y="1568750"/>
+            <a:ext cx="379800" cy="78900"/>
           </a:xfrm>
           <a:prstGeom prst="straightConnector1">
             <a:avLst/>
@@ -14981,22 +14663,20 @@
             <a:prstDash val="solid"/>
             <a:round/>
             <a:headEnd len="med" w="med" type="none"/>
-            <a:tailEnd len="med" w="med" type="triangle"/>
+            <a:tailEnd len="med" w="med" type="stealth"/>
           </a:ln>
         </p:spPr>
       </p:cxnSp>
       <p:cxnSp>
         <p:nvCxnSpPr>
-          <p:cNvPr id="226" name="Google Shape;226;p29"/>
-          <p:cNvCxnSpPr>
-            <a:stCxn id="224" idx="3"/>
-          </p:cNvCxnSpPr>
+          <p:cNvPr id="219" name="Google Shape;219;p28"/>
+          <p:cNvCxnSpPr/>
           <p:nvPr/>
         </p:nvCxnSpPr>
         <p:spPr>
-          <a:xfrm flipH="1" rot="10800000">
-            <a:off x="4400100" y="1840925"/>
-            <a:ext cx="2326500" cy="86100"/>
+          <a:xfrm rot="10800000">
+            <a:off x="4728025" y="2235150"/>
+            <a:ext cx="587400" cy="100200"/>
           </a:xfrm>
           <a:prstGeom prst="straightConnector1">
             <a:avLst/>
@@ -15009,7 +14689,7 @@
             <a:prstDash val="solid"/>
             <a:round/>
             <a:headEnd len="med" w="med" type="none"/>
-            <a:tailEnd len="med" w="med" type="triangle"/>
+            <a:tailEnd len="med" w="med" type="stealth"/>
           </a:ln>
         </p:spPr>
       </p:cxnSp>
@@ -15018,98 +14698,15 @@
   <p:clrMapOvr>
     <a:masterClrMapping/>
   </p:clrMapOvr>
-  <p:timing>
-    <p:tnLst>
-      <p:par>
-        <p:cTn dur="indefinite" nodeType="tmRoot" restart="never">
-          <p:childTnLst>
-            <p:seq concurrent="1" nextAc="seek">
-              <p:cTn dur="indefinite" id="2" nodeType="mainSeq">
-                <p:childTnLst>
-                  <p:par>
-                    <p:cTn fill="hold">
-                      <p:stCondLst>
-                        <p:cond delay="indefinite"/>
-                      </p:stCondLst>
-                      <p:childTnLst>
-                        <p:par>
-                          <p:cTn fill="hold">
-                            <p:stCondLst>
-                              <p:cond delay="0"/>
-                            </p:stCondLst>
-                            <p:childTnLst>
-                              <p:par>
-                                <p:cTn fill="hold" nodeType="clickEffect" presetClass="entr" presetID="10" presetSubtype="0">
-                                  <p:stCondLst>
-                                    <p:cond delay="0"/>
-                                  </p:stCondLst>
-                                  <p:childTnLst>
-                                    <p:set>
-                                      <p:cBhvr>
-                                        <p:cTn dur="1" fill="hold">
-                                          <p:stCondLst>
-                                            <p:cond delay="0"/>
-                                          </p:stCondLst>
-                                        </p:cTn>
-                                        <p:tgtEl>
-                                          <p:spTgt spid="223"/>
-                                        </p:tgtEl>
-                                        <p:attrNameLst>
-                                          <p:attrName>style.visibility</p:attrName>
-                                        </p:attrNameLst>
-                                      </p:cBhvr>
-                                      <p:to>
-                                        <p:strVal val="visible"/>
-                                      </p:to>
-                                    </p:set>
-                                    <p:animEffect filter="fade" transition="in">
-                                      <p:cBhvr>
-                                        <p:cTn dur="1000"/>
-                                        <p:tgtEl>
-                                          <p:spTgt spid="223"/>
-                                        </p:tgtEl>
-                                      </p:cBhvr>
-                                    </p:animEffect>
-                                  </p:childTnLst>
-                                </p:cTn>
-                              </p:par>
-                            </p:childTnLst>
-                          </p:cTn>
-                        </p:par>
-                      </p:childTnLst>
-                    </p:cTn>
-                  </p:par>
-                </p:childTnLst>
-              </p:cTn>
-              <p:prevCondLst>
-                <p:cond evt="onPrev">
-                  <p:tgtEl>
-                    <p:sldTgt/>
-                  </p:tgtEl>
-                </p:cond>
-              </p:prevCondLst>
-              <p:nextCondLst>
-                <p:cond evt="onNext">
-                  <p:tgtEl>
-                    <p:sldTgt/>
-                  </p:tgtEl>
-                </p:cond>
-              </p:nextCondLst>
-            </p:seq>
-          </p:childTnLst>
-        </p:cTn>
-      </p:par>
-    </p:tnLst>
-  </p:timing>
 </p:sld>
 </file>
 
-<file path=ppt/slides/slide18.xml><?xml version="1.0" encoding="utf-8"?>
+<file path=ppt/slides/slide17.xml><?xml version="1.0" encoding="utf-8"?>
 <p:sld xmlns:a="http://schemas.openxmlformats.org/drawingml/2006/main" xmlns:r="http://schemas.openxmlformats.org/officeDocument/2006/relationships" xmlns:mc="http://schemas.openxmlformats.org/markup-compatibility/2006" xmlns:mv="urn:schemas-microsoft-com:mac:vml" xmlns:p="http://schemas.openxmlformats.org/presentationml/2006/main" xmlns:c="http://schemas.openxmlformats.org/drawingml/2006/chart" xmlns:dgm="http://schemas.openxmlformats.org/drawingml/2006/diagram" xmlns:o="urn:schemas-microsoft-com:office:office" xmlns:v="urn:schemas-microsoft-com:vml" xmlns:pvml="urn:schemas-microsoft-com:office:powerpoint" xmlns:com="http://schemas.openxmlformats.org/drawingml/2006/compatibility" xmlns:p14="http://schemas.microsoft.com/office/powerpoint/2010/main" xmlns:p15="http://schemas.microsoft.com/office/powerpoint/2012/main">
   <p:cSld>
     <p:spTree>
       <p:nvGrpSpPr>
-        <p:cNvPr id="230" name="Shape 230"/>
+        <p:cNvPr id="223" name="Shape 223"/>
         <p:cNvGrpSpPr/>
         <p:nvPr/>
       </p:nvGrpSpPr>
@@ -15123,7 +14720,7 @@
       </p:grpSpPr>
       <p:sp>
         <p:nvSpPr>
-          <p:cNvPr id="231" name="Google Shape;231;p30"/>
+          <p:cNvPr id="224" name="Google Shape;224;p29"/>
           <p:cNvSpPr txBox="1"/>
           <p:nvPr>
             <p:ph type="title"/>
@@ -15144,7 +14741,7 @@
           </a:bodyPr>
           <a:lstStyle/>
           <a:p>
-            <a:pPr indent="0" lvl="0" marL="0">
+            <a:pPr indent="0" lvl="0" marL="0" rtl="0" algn="l">
               <a:spcBef>
                 <a:spcPts val="0"/>
               </a:spcBef>
@@ -15163,7 +14760,7 @@
       </p:sp>
       <p:sp>
         <p:nvSpPr>
-          <p:cNvPr id="232" name="Google Shape;232;p30"/>
+          <p:cNvPr id="225" name="Google Shape;225;p29"/>
           <p:cNvSpPr txBox="1"/>
           <p:nvPr>
             <p:ph idx="1" type="body"/>
@@ -15184,7 +14781,7 @@
           </a:bodyPr>
           <a:lstStyle/>
           <a:p>
-            <a:pPr indent="-304800" lvl="0" marL="457200" rtl="0">
+            <a:pPr indent="-304800" lvl="0" marL="457200" rtl="0" algn="l">
               <a:spcBef>
                 <a:spcPts val="0"/>
               </a:spcBef>
@@ -15212,7 +14809,7 @@
             </a:endParaRPr>
           </a:p>
           <a:p>
-            <a:pPr indent="-304800" lvl="1" marL="914400" rtl="0">
+            <a:pPr indent="-304800" lvl="1" marL="914400" rtl="0" algn="l">
               <a:spcBef>
                 <a:spcPts val="0"/>
               </a:spcBef>
@@ -15240,7 +14837,7 @@
             </a:endParaRPr>
           </a:p>
           <a:p>
-            <a:pPr indent="-304800" lvl="1" marL="914400" rtl="0">
+            <a:pPr indent="-304800" lvl="1" marL="914400" rtl="0" algn="l">
               <a:spcBef>
                 <a:spcPts val="0"/>
               </a:spcBef>
@@ -15268,7 +14865,7 @@
             </a:endParaRPr>
           </a:p>
           <a:p>
-            <a:pPr indent="-304800" lvl="1" marL="914400" rtl="0">
+            <a:pPr indent="-304800" lvl="1" marL="914400" rtl="0" algn="l">
               <a:spcBef>
                 <a:spcPts val="0"/>
               </a:spcBef>
@@ -15299,7 +14896,7 @@
       </p:sp>
       <p:sp>
         <p:nvSpPr>
-          <p:cNvPr id="233" name="Google Shape;233;p30"/>
+          <p:cNvPr id="226" name="Google Shape;226;p29"/>
           <p:cNvSpPr txBox="1"/>
           <p:nvPr>
             <p:ph idx="12" type="sldNum"/>
@@ -15320,7 +14917,7 @@
           </a:bodyPr>
           <a:lstStyle/>
           <a:p>
-            <a:pPr indent="0" lvl="0" marL="0">
+            <a:pPr indent="0" lvl="0" marL="0" rtl="0" algn="r">
               <a:spcBef>
                 <a:spcPts val="0"/>
               </a:spcBef>
@@ -15339,7 +14936,7 @@
       </p:sp>
       <p:graphicFrame>
         <p:nvGraphicFramePr>
-          <p:cNvPr id="234" name="Google Shape;234;p30"/>
+          <p:cNvPr id="227" name="Google Shape;227;p29"/>
           <p:cNvGraphicFramePr/>
           <p:nvPr/>
         </p:nvGraphicFramePr>
@@ -15352,7 +14949,7 @@
             <a:tbl>
               <a:tblPr>
                 <a:noFill/>
-                <a:tableStyleId>{3CDA3BDD-804D-4723-AFFD-9E295B3E46DA}</a:tableStyleId>
+                <a:tableStyleId>{AF0658C7-B58F-4B9D-81AA-B1A3DCCDF7EF}</a:tableStyleId>
               </a:tblPr>
               <a:tblGrid>
                 <a:gridCol w="1388475"/>
@@ -15369,7 +14966,7 @@
                     </a:bodyPr>
                     <a:lstStyle/>
                     <a:p>
-                      <a:pPr indent="0" lvl="0" marL="0">
+                      <a:pPr indent="0" lvl="0" marL="0" rtl="0" algn="l">
                         <a:spcBef>
                           <a:spcPts val="0"/>
                         </a:spcBef>
@@ -15397,7 +14994,7 @@
                     </a:bodyPr>
                     <a:lstStyle/>
                     <a:p>
-                      <a:pPr indent="0" lvl="0" marL="0" algn="ctr">
+                      <a:pPr indent="0" lvl="0" marL="0" rtl="0" algn="ctr">
                         <a:spcBef>
                           <a:spcPts val="0"/>
                         </a:spcBef>
@@ -15427,7 +15024,7 @@
                     </a:bodyPr>
                     <a:lstStyle/>
                     <a:p>
-                      <a:pPr indent="0" lvl="0" marL="0" algn="ctr">
+                      <a:pPr indent="0" lvl="0" marL="0" rtl="0" algn="ctr">
                         <a:spcBef>
                           <a:spcPts val="0"/>
                         </a:spcBef>
@@ -15460,7 +15057,7 @@
                     </a:bodyPr>
                     <a:lstStyle/>
                     <a:p>
-                      <a:pPr indent="0" lvl="0" marL="0">
+                      <a:pPr indent="0" lvl="0" marL="0" rtl="0" algn="l">
                         <a:spcBef>
                           <a:spcPts val="0"/>
                         </a:spcBef>
@@ -15489,7 +15086,7 @@
                     </a:bodyPr>
                     <a:lstStyle/>
                     <a:p>
-                      <a:pPr indent="0" lvl="0" marL="0">
+                      <a:pPr indent="0" lvl="0" marL="0" rtl="0" algn="l">
                         <a:spcBef>
                           <a:spcPts val="0"/>
                         </a:spcBef>
@@ -15518,7 +15115,7 @@
                     </a:bodyPr>
                     <a:lstStyle/>
                     <a:p>
-                      <a:pPr indent="0" lvl="0" marL="0">
+                      <a:pPr indent="0" lvl="0" marL="0" rtl="0" algn="l">
                         <a:spcBef>
                           <a:spcPts val="0"/>
                         </a:spcBef>
@@ -15547,7 +15144,7 @@
                     </a:bodyPr>
                     <a:lstStyle/>
                     <a:p>
-                      <a:pPr indent="0" lvl="0" marL="0">
+                      <a:pPr indent="0" lvl="0" marL="0" rtl="0" algn="l">
                         <a:spcBef>
                           <a:spcPts val="0"/>
                         </a:spcBef>
@@ -15578,7 +15175,7 @@
                     </a:bodyPr>
                     <a:lstStyle/>
                     <a:p>
-                      <a:pPr indent="0" lvl="0" marL="0" rtl="0">
+                      <a:pPr indent="0" lvl="0" marL="0" rtl="0" algn="l">
                         <a:spcBef>
                           <a:spcPts val="0"/>
                         </a:spcBef>
@@ -15607,7 +15204,7 @@
                     </a:bodyPr>
                     <a:lstStyle/>
                     <a:p>
-                      <a:pPr indent="0" lvl="0" marL="0" rtl="0">
+                      <a:pPr indent="0" lvl="0" marL="0" rtl="0" algn="l">
                         <a:spcBef>
                           <a:spcPts val="0"/>
                         </a:spcBef>
@@ -15618,7 +15215,7 @@
                       </a:pPr>
                       <a:r>
                         <a:rPr lang="en" sz="1200"/>
-                        <a:t>0.1205</a:t>
+                        <a:t>0.3137</a:t>
                       </a:r>
                       <a:endParaRPr sz="1200"/>
                     </a:p>
@@ -15632,7 +15229,7 @@
                     </a:bodyPr>
                     <a:lstStyle/>
                     <a:p>
-                      <a:pPr indent="0" lvl="0" marL="0">
+                      <a:pPr indent="0" lvl="0" marL="0" rtl="0" algn="l">
                         <a:spcBef>
                           <a:spcPts val="0"/>
                         </a:spcBef>
@@ -15643,7 +15240,7 @@
                       </a:pPr>
                       <a:r>
                         <a:rPr lang="en" sz="1200"/>
-                        <a:t>0.9368</a:t>
+                        <a:t>0.5718</a:t>
                       </a:r>
                       <a:endParaRPr sz="1200"/>
                     </a:p>
@@ -15657,7 +15254,7 @@
                     </a:bodyPr>
                     <a:lstStyle/>
                     <a:p>
-                      <a:pPr indent="0" lvl="0" marL="0">
+                      <a:pPr indent="0" lvl="0" marL="0" rtl="0" algn="l">
                         <a:spcBef>
                           <a:spcPts val="0"/>
                         </a:spcBef>
@@ -15668,7 +15265,7 @@
                       </a:pPr>
                       <a:r>
                         <a:rPr lang="en" sz="1200"/>
-                        <a:t>0.2919</a:t>
+                        <a:t>0.4680</a:t>
                       </a:r>
                       <a:endParaRPr sz="1200"/>
                     </a:p>
@@ -15682,7 +15279,7 @@
                     </a:bodyPr>
                     <a:lstStyle/>
                     <a:p>
-                      <a:pPr indent="0" lvl="0" marL="0">
+                      <a:pPr indent="0" lvl="0" marL="0" rtl="0" algn="l">
                         <a:spcBef>
                           <a:spcPts val="0"/>
                         </a:spcBef>
@@ -15693,7 +15290,7 @@
                       </a:pPr>
                       <a:r>
                         <a:rPr lang="en" sz="1200"/>
-                        <a:t>0.8149</a:t>
+                        <a:t>0.5245</a:t>
                       </a:r>
                       <a:endParaRPr sz="1200"/>
                     </a:p>
@@ -15709,7 +15306,7 @@
                     </a:bodyPr>
                     <a:lstStyle/>
                     <a:p>
-                      <a:pPr indent="0" lvl="0" marL="0">
+                      <a:pPr indent="0" lvl="0" marL="0" rtl="0" algn="l">
                         <a:spcBef>
                           <a:spcPts val="0"/>
                         </a:spcBef>
@@ -15738,7 +15335,7 @@
                     </a:bodyPr>
                     <a:lstStyle/>
                     <a:p>
-                      <a:pPr indent="0" lvl="0" marL="0">
+                      <a:pPr indent="0" lvl="0" marL="0" rtl="0" algn="l">
                         <a:spcBef>
                           <a:spcPts val="0"/>
                         </a:spcBef>
@@ -15749,7 +15346,7 @@
                       </a:pPr>
                       <a:r>
                         <a:rPr lang="en" sz="1200"/>
-                        <a:t>0.1258</a:t>
+                        <a:t>0.3304</a:t>
                       </a:r>
                       <a:endParaRPr sz="1200"/>
                     </a:p>
@@ -15763,7 +15360,7 @@
                     </a:bodyPr>
                     <a:lstStyle/>
                     <a:p>
-                      <a:pPr indent="0" lvl="0" marL="0">
+                      <a:pPr indent="0" lvl="0" marL="0" rtl="0" algn="l">
                         <a:spcBef>
                           <a:spcPts val="0"/>
                         </a:spcBef>
@@ -15774,7 +15371,7 @@
                       </a:pPr>
                       <a:r>
                         <a:rPr lang="en" sz="1200"/>
-                        <a:t>0.9325</a:t>
+                        <a:t>0.5348</a:t>
                       </a:r>
                       <a:endParaRPr sz="1200"/>
                     </a:p>
@@ -15788,7 +15385,7 @@
                     </a:bodyPr>
                     <a:lstStyle/>
                     <a:p>
-                      <a:pPr indent="0" lvl="0" marL="0">
+                      <a:pPr indent="0" lvl="0" marL="0" rtl="0" algn="l">
                         <a:spcBef>
                           <a:spcPts val="0"/>
                         </a:spcBef>
@@ -15799,7 +15396,7 @@
                       </a:pPr>
                       <a:r>
                         <a:rPr lang="en" sz="1200"/>
-                        <a:t>0.3143</a:t>
+                        <a:t>0.4898</a:t>
                       </a:r>
                       <a:endParaRPr sz="1200"/>
                     </a:p>
@@ -15813,7 +15410,7 @@
                     </a:bodyPr>
                     <a:lstStyle/>
                     <a:p>
-                      <a:pPr indent="0" lvl="0" marL="0">
+                      <a:pPr indent="0" lvl="0" marL="0" rtl="0" algn="l">
                         <a:spcBef>
                           <a:spcPts val="0"/>
                         </a:spcBef>
@@ -15824,7 +15421,7 @@
                       </a:pPr>
                       <a:r>
                         <a:rPr lang="en" sz="1200"/>
-                        <a:t>0.7776</a:t>
+                        <a:t>0.4666</a:t>
                       </a:r>
                       <a:endParaRPr sz="1200"/>
                     </a:p>
@@ -15840,7 +15437,7 @@
                     </a:bodyPr>
                     <a:lstStyle/>
                     <a:p>
-                      <a:pPr indent="0" lvl="0" marL="0">
+                      <a:pPr indent="0" lvl="0" marL="0" rtl="0" algn="l">
                         <a:spcBef>
                           <a:spcPts val="0"/>
                         </a:spcBef>
@@ -15869,7 +15466,7 @@
                     </a:bodyPr>
                     <a:lstStyle/>
                     <a:p>
-                      <a:pPr indent="0" lvl="0" marL="0">
+                      <a:pPr indent="0" lvl="0" marL="0" rtl="0" algn="l">
                         <a:spcBef>
                           <a:spcPts val="0"/>
                         </a:spcBef>
@@ -15880,7 +15477,7 @@
                       </a:pPr>
                       <a:r>
                         <a:rPr lang="en" sz="1200"/>
-                        <a:t>0.1566</a:t>
+                        <a:t>0.3401</a:t>
                       </a:r>
                       <a:endParaRPr sz="1200"/>
                     </a:p>
@@ -15894,7 +15491,7 @@
                     </a:bodyPr>
                     <a:lstStyle/>
                     <a:p>
-                      <a:pPr indent="0" lvl="0" marL="0" rtl="0">
+                      <a:pPr indent="0" lvl="0" marL="0" rtl="0" algn="l">
                         <a:spcBef>
                           <a:spcPts val="0"/>
                         </a:spcBef>
@@ -15905,7 +15502,11 @@
                       </a:pPr>
                       <a:r>
                         <a:rPr lang="en" sz="1200"/>
-                        <a:t>0.9023</a:t>
+                        <a:t>0.</a:t>
+                      </a:r>
+                      <a:r>
+                        <a:rPr lang="en" sz="1200"/>
+                        <a:t>5398</a:t>
                       </a:r>
                       <a:endParaRPr sz="1200"/>
                     </a:p>
@@ -15919,7 +15520,7 @@
                     </a:bodyPr>
                     <a:lstStyle/>
                     <a:p>
-                      <a:pPr indent="0" lvl="0" marL="0">
+                      <a:pPr indent="0" lvl="0" marL="0" rtl="0" algn="l">
                         <a:spcBef>
                           <a:spcPts val="0"/>
                         </a:spcBef>
@@ -15930,7 +15531,7 @@
                       </a:pPr>
                       <a:r>
                         <a:rPr lang="en" sz="1200"/>
-                        <a:t>0.3589</a:t>
+                        <a:t>0.5379</a:t>
                       </a:r>
                       <a:endParaRPr sz="1200"/>
                     </a:p>
@@ -15944,7 +15545,7 @@
                     </a:bodyPr>
                     <a:lstStyle/>
                     <a:p>
-                      <a:pPr indent="0" lvl="0" marL="0">
+                      <a:pPr indent="0" lvl="0" marL="0" rtl="0" algn="l">
                         <a:spcBef>
                           <a:spcPts val="0"/>
                         </a:spcBef>
@@ -15955,7 +15556,7 @@
                       </a:pPr>
                       <a:r>
                         <a:rPr lang="en" sz="1200"/>
-                        <a:t>0.7822</a:t>
+                        <a:t>0.5110</a:t>
                       </a:r>
                       <a:endParaRPr sz="1200"/>
                     </a:p>
@@ -15969,7 +15570,7 @@
       </p:graphicFrame>
       <p:sp>
         <p:nvSpPr>
-          <p:cNvPr id="235" name="Google Shape;235;p30"/>
+          <p:cNvPr id="228" name="Google Shape;228;p29"/>
           <p:cNvSpPr txBox="1"/>
           <p:nvPr/>
         </p:nvSpPr>
@@ -15992,7 +15593,7 @@
           </a:bodyPr>
           <a:lstStyle/>
           <a:p>
-            <a:pPr indent="-304800" lvl="0" marL="457200" rtl="0">
+            <a:pPr indent="-304800" lvl="0" marL="457200" rtl="0" algn="l">
               <a:lnSpc>
                 <a:spcPct val="115000"/>
               </a:lnSpc>
@@ -16030,6 +15631,463 @@
               <a:cs typeface="Lato"/>
               <a:sym typeface="Lato"/>
             </a:endParaRPr>
+          </a:p>
+        </p:txBody>
+      </p:sp>
+    </p:spTree>
+  </p:cSld>
+  <p:clrMapOvr>
+    <a:masterClrMapping/>
+  </p:clrMapOvr>
+</p:sld>
+</file>
+
+<file path=ppt/slides/slide18.xml><?xml version="1.0" encoding="utf-8"?>
+<p:sld xmlns:a="http://schemas.openxmlformats.org/drawingml/2006/main" xmlns:r="http://schemas.openxmlformats.org/officeDocument/2006/relationships" xmlns:mc="http://schemas.openxmlformats.org/markup-compatibility/2006" xmlns:mv="urn:schemas-microsoft-com:mac:vml" xmlns:p="http://schemas.openxmlformats.org/presentationml/2006/main" xmlns:c="http://schemas.openxmlformats.org/drawingml/2006/chart" xmlns:dgm="http://schemas.openxmlformats.org/drawingml/2006/diagram" xmlns:o="urn:schemas-microsoft-com:office:office" xmlns:v="urn:schemas-microsoft-com:vml" xmlns:pvml="urn:schemas-microsoft-com:office:powerpoint" xmlns:com="http://schemas.openxmlformats.org/drawingml/2006/compatibility" xmlns:p14="http://schemas.microsoft.com/office/powerpoint/2010/main" xmlns:p15="http://schemas.microsoft.com/office/powerpoint/2012/main">
+  <p:cSld>
+    <p:spTree>
+      <p:nvGrpSpPr>
+        <p:cNvPr id="232" name="Shape 232"/>
+        <p:cNvGrpSpPr/>
+        <p:nvPr/>
+      </p:nvGrpSpPr>
+      <p:grpSpPr>
+        <a:xfrm>
+          <a:off x="0" y="0"/>
+          <a:ext cx="0" cy="0"/>
+          <a:chOff x="0" y="0"/>
+          <a:chExt cx="0" cy="0"/>
+        </a:xfrm>
+      </p:grpSpPr>
+      <p:sp>
+        <p:nvSpPr>
+          <p:cNvPr id="233" name="Google Shape;233;p30"/>
+          <p:cNvSpPr txBox="1"/>
+          <p:nvPr>
+            <p:ph type="title"/>
+          </p:nvPr>
+        </p:nvSpPr>
+        <p:spPr>
+          <a:xfrm>
+            <a:off x="729450" y="609450"/>
+            <a:ext cx="7688700" cy="535200"/>
+          </a:xfrm>
+          <a:prstGeom prst="rect">
+            <a:avLst/>
+          </a:prstGeom>
+        </p:spPr>
+        <p:txBody>
+          <a:bodyPr anchorCtr="0" anchor="t" bIns="91425" lIns="91425" spcFirstLastPara="1" rIns="91425" wrap="square" tIns="91425">
+            <a:noAutofit/>
+          </a:bodyPr>
+          <a:lstStyle/>
+          <a:p>
+            <a:pPr indent="0" lvl="0" marL="0" rtl="0" algn="l">
+              <a:spcBef>
+                <a:spcPts val="0"/>
+              </a:spcBef>
+              <a:spcAft>
+                <a:spcPts val="0"/>
+              </a:spcAft>
+              <a:buNone/>
+            </a:pPr>
+            <a:r>
+              <a:rPr lang="en"/>
+              <a:t>Conclusion </a:t>
+            </a:r>
+            <a:endParaRPr/>
+          </a:p>
+        </p:txBody>
+      </p:sp>
+      <p:sp>
+        <p:nvSpPr>
+          <p:cNvPr id="234" name="Google Shape;234;p30"/>
+          <p:cNvSpPr txBox="1"/>
+          <p:nvPr>
+            <p:ph idx="1" type="body"/>
+          </p:nvPr>
+        </p:nvSpPr>
+        <p:spPr>
+          <a:xfrm>
+            <a:off x="729450" y="1310950"/>
+            <a:ext cx="7688700" cy="3560400"/>
+          </a:xfrm>
+          <a:prstGeom prst="rect">
+            <a:avLst/>
+          </a:prstGeom>
+        </p:spPr>
+        <p:txBody>
+          <a:bodyPr anchorCtr="0" anchor="t" bIns="91425" lIns="91425" spcFirstLastPara="1" rIns="91425" wrap="square" tIns="91425">
+            <a:noAutofit/>
+          </a:bodyPr>
+          <a:lstStyle/>
+          <a:p>
+            <a:pPr indent="-304800" lvl="0" marL="457200" rtl="0" algn="l">
+              <a:spcBef>
+                <a:spcPts val="0"/>
+              </a:spcBef>
+              <a:spcAft>
+                <a:spcPts val="0"/>
+              </a:spcAft>
+              <a:buClr>
+                <a:srgbClr val="000000"/>
+              </a:buClr>
+              <a:buSzPts val="1200"/>
+              <a:buChar char="★"/>
+            </a:pPr>
+            <a:r>
+              <a:rPr lang="en" sz="1200">
+                <a:solidFill>
+                  <a:srgbClr val="000000"/>
+                </a:solidFill>
+              </a:rPr>
+              <a:t>Main factors in predicting the number of people killed or injured:</a:t>
+            </a:r>
+            <a:endParaRPr sz="1200">
+              <a:solidFill>
+                <a:srgbClr val="000000"/>
+              </a:solidFill>
+            </a:endParaRPr>
+          </a:p>
+          <a:p>
+            <a:pPr indent="-304800" lvl="1" marL="914400" rtl="0" algn="l">
+              <a:spcBef>
+                <a:spcPts val="0"/>
+              </a:spcBef>
+              <a:spcAft>
+                <a:spcPts val="0"/>
+              </a:spcAft>
+              <a:buClr>
+                <a:srgbClr val="000000"/>
+              </a:buClr>
+              <a:buSzPts val="1200"/>
+              <a:buChar char="○"/>
+            </a:pPr>
+            <a:r>
+              <a:rPr lang="en" sz="1200">
+                <a:solidFill>
+                  <a:srgbClr val="000000"/>
+                </a:solidFill>
+              </a:rPr>
+              <a:t>Number of adults involved (ages 18 and over).</a:t>
+            </a:r>
+            <a:endParaRPr sz="1200">
+              <a:solidFill>
+                <a:srgbClr val="000000"/>
+              </a:solidFill>
+            </a:endParaRPr>
+          </a:p>
+          <a:p>
+            <a:pPr indent="-304800" lvl="1" marL="914400" rtl="0" algn="l">
+              <a:spcBef>
+                <a:spcPts val="0"/>
+              </a:spcBef>
+              <a:spcAft>
+                <a:spcPts val="0"/>
+              </a:spcAft>
+              <a:buClr>
+                <a:srgbClr val="000000"/>
+              </a:buClr>
+              <a:buSzPts val="1200"/>
+              <a:buChar char="○"/>
+            </a:pPr>
+            <a:r>
+              <a:rPr lang="en" sz="1200">
+                <a:solidFill>
+                  <a:srgbClr val="000000"/>
+                </a:solidFill>
+              </a:rPr>
+              <a:t>Number of injuries (for predicting number of deaths) and vice versa.</a:t>
+            </a:r>
+            <a:endParaRPr sz="1200">
+              <a:solidFill>
+                <a:srgbClr val="000000"/>
+              </a:solidFill>
+            </a:endParaRPr>
+          </a:p>
+          <a:p>
+            <a:pPr indent="-304800" lvl="1" marL="914400" rtl="0" algn="l">
+              <a:spcBef>
+                <a:spcPts val="0"/>
+              </a:spcBef>
+              <a:spcAft>
+                <a:spcPts val="0"/>
+              </a:spcAft>
+              <a:buClr>
+                <a:srgbClr val="000000"/>
+              </a:buClr>
+              <a:buSzPts val="1200"/>
+              <a:buChar char="○"/>
+            </a:pPr>
+            <a:r>
+              <a:rPr lang="en" sz="1200">
+                <a:solidFill>
+                  <a:srgbClr val="000000"/>
+                </a:solidFill>
+              </a:rPr>
+              <a:t>Number of males involved.</a:t>
+            </a:r>
+            <a:endParaRPr sz="1200">
+              <a:solidFill>
+                <a:srgbClr val="000000"/>
+              </a:solidFill>
+            </a:endParaRPr>
+          </a:p>
+          <a:p>
+            <a:pPr indent="-304800" lvl="0" marL="457200" rtl="0" algn="l">
+              <a:spcBef>
+                <a:spcPts val="0"/>
+              </a:spcBef>
+              <a:spcAft>
+                <a:spcPts val="0"/>
+              </a:spcAft>
+              <a:buClr>
+                <a:srgbClr val="000000"/>
+              </a:buClr>
+              <a:buSzPts val="1200"/>
+              <a:buChar char="★"/>
+            </a:pPr>
+            <a:r>
+              <a:rPr lang="en" sz="1200">
+                <a:solidFill>
+                  <a:srgbClr val="000000"/>
+                </a:solidFill>
+              </a:rPr>
+              <a:t>Recommendations:</a:t>
+            </a:r>
+            <a:endParaRPr sz="1200">
+              <a:solidFill>
+                <a:srgbClr val="000000"/>
+              </a:solidFill>
+            </a:endParaRPr>
+          </a:p>
+          <a:p>
+            <a:pPr indent="-304800" lvl="1" marL="914400" rtl="0" algn="l">
+              <a:spcBef>
+                <a:spcPts val="0"/>
+              </a:spcBef>
+              <a:spcAft>
+                <a:spcPts val="0"/>
+              </a:spcAft>
+              <a:buClr>
+                <a:srgbClr val="000000"/>
+              </a:buClr>
+              <a:buSzPts val="1200"/>
+              <a:buChar char="○"/>
+            </a:pPr>
+            <a:r>
+              <a:rPr lang="en" sz="1200">
+                <a:solidFill>
+                  <a:srgbClr val="000000"/>
+                </a:solidFill>
+              </a:rPr>
+              <a:t>Number of injuries can be a useful predictor of the number of deaths (and vice versa) due to the negative correlation between the 2 variables.</a:t>
+            </a:r>
+            <a:endParaRPr sz="1200">
+              <a:solidFill>
+                <a:srgbClr val="000000"/>
+              </a:solidFill>
+            </a:endParaRPr>
+          </a:p>
+          <a:p>
+            <a:pPr indent="-304800" lvl="1" marL="914400" rtl="0" algn="l">
+              <a:spcBef>
+                <a:spcPts val="0"/>
+              </a:spcBef>
+              <a:spcAft>
+                <a:spcPts val="0"/>
+              </a:spcAft>
+              <a:buClr>
+                <a:srgbClr val="000000"/>
+              </a:buClr>
+              <a:buSzPts val="1200"/>
+              <a:buChar char="○"/>
+            </a:pPr>
+            <a:r>
+              <a:rPr lang="en" sz="1200">
+                <a:solidFill>
+                  <a:srgbClr val="000000"/>
+                </a:solidFill>
+              </a:rPr>
+              <a:t>Check the number of adults; incidents with adults are more likely to result in casualties than with children or teens.</a:t>
+            </a:r>
+            <a:endParaRPr sz="1200">
+              <a:solidFill>
+                <a:srgbClr val="000000"/>
+              </a:solidFill>
+            </a:endParaRPr>
+          </a:p>
+          <a:p>
+            <a:pPr indent="-304800" lvl="0" marL="457200" marR="0" rtl="0" algn="l">
+              <a:lnSpc>
+                <a:spcPct val="115000"/>
+              </a:lnSpc>
+              <a:spcBef>
+                <a:spcPts val="0"/>
+              </a:spcBef>
+              <a:spcAft>
+                <a:spcPts val="0"/>
+              </a:spcAft>
+              <a:buClr>
+                <a:srgbClr val="000000"/>
+              </a:buClr>
+              <a:buSzPts val="1200"/>
+              <a:buFont typeface="Lato"/>
+              <a:buChar char="★"/>
+            </a:pPr>
+            <a:r>
+              <a:rPr lang="en" sz="1200">
+                <a:solidFill>
+                  <a:srgbClr val="000000"/>
+                </a:solidFill>
+              </a:rPr>
+              <a:t>Next Steps:</a:t>
+            </a:r>
+            <a:endParaRPr sz="1200">
+              <a:solidFill>
+                <a:srgbClr val="000000"/>
+              </a:solidFill>
+            </a:endParaRPr>
+          </a:p>
+          <a:p>
+            <a:pPr indent="-304800" lvl="1" marL="914400" rtl="0" algn="l">
+              <a:spcBef>
+                <a:spcPts val="0"/>
+              </a:spcBef>
+              <a:spcAft>
+                <a:spcPts val="0"/>
+              </a:spcAft>
+              <a:buClr>
+                <a:srgbClr val="000000"/>
+              </a:buClr>
+              <a:buSzPts val="1200"/>
+              <a:buChar char="○"/>
+            </a:pPr>
+            <a:r>
+              <a:rPr lang="en" sz="1200">
+                <a:solidFill>
+                  <a:srgbClr val="000000"/>
+                </a:solidFill>
+              </a:rPr>
+              <a:t>Use classification models (ex. Logistic Regression) to classify incidents based on thresholds (ex. Incidents with 2+ deaths vs incidents with 0 or 1 deaths)</a:t>
+            </a:r>
+            <a:endParaRPr sz="1200">
+              <a:solidFill>
+                <a:srgbClr val="000000"/>
+              </a:solidFill>
+            </a:endParaRPr>
+          </a:p>
+          <a:p>
+            <a:pPr indent="-304800" lvl="1" marL="914400" rtl="0" algn="l">
+              <a:spcBef>
+                <a:spcPts val="0"/>
+              </a:spcBef>
+              <a:spcAft>
+                <a:spcPts val="0"/>
+              </a:spcAft>
+              <a:buClr>
+                <a:srgbClr val="000000"/>
+              </a:buClr>
+              <a:buSzPts val="1200"/>
+              <a:buChar char="○"/>
+            </a:pPr>
+            <a:r>
+              <a:rPr lang="en" sz="1200">
+                <a:solidFill>
+                  <a:srgbClr val="000000"/>
+                </a:solidFill>
+              </a:rPr>
+              <a:t>Find other datasets that contain more information regarding the shooting incidents (ex. Gun type, ethnicity).</a:t>
+            </a:r>
+            <a:endParaRPr sz="1200">
+              <a:solidFill>
+                <a:srgbClr val="000000"/>
+              </a:solidFill>
+            </a:endParaRPr>
+          </a:p>
+          <a:p>
+            <a:pPr indent="-304800" lvl="1" marL="914400" rtl="0" algn="l">
+              <a:spcBef>
+                <a:spcPts val="0"/>
+              </a:spcBef>
+              <a:spcAft>
+                <a:spcPts val="0"/>
+              </a:spcAft>
+              <a:buClr>
+                <a:srgbClr val="000000"/>
+              </a:buClr>
+              <a:buSzPts val="1200"/>
+              <a:buChar char="○"/>
+            </a:pPr>
+            <a:r>
+              <a:rPr lang="en" sz="1200">
+                <a:solidFill>
+                  <a:srgbClr val="000000"/>
+                </a:solidFill>
+              </a:rPr>
+              <a:t>Analyze other big cities such as New York and Los </a:t>
+            </a:r>
+            <a:r>
+              <a:rPr lang="en" sz="1200">
+                <a:solidFill>
+                  <a:srgbClr val="000000"/>
+                </a:solidFill>
+              </a:rPr>
+              <a:t>Angeles</a:t>
+            </a:r>
+            <a:r>
+              <a:rPr lang="en" sz="1200">
+                <a:solidFill>
+                  <a:srgbClr val="000000"/>
+                </a:solidFill>
+              </a:rPr>
+              <a:t>. </a:t>
+            </a:r>
+            <a:endParaRPr sz="1200">
+              <a:solidFill>
+                <a:srgbClr val="000000"/>
+              </a:solidFill>
+            </a:endParaRPr>
+          </a:p>
+        </p:txBody>
+      </p:sp>
+      <p:sp>
+        <p:nvSpPr>
+          <p:cNvPr id="235" name="Google Shape;235;p30"/>
+          <p:cNvSpPr txBox="1"/>
+          <p:nvPr>
+            <p:ph idx="12" type="sldNum"/>
+          </p:nvPr>
+        </p:nvSpPr>
+        <p:spPr>
+          <a:xfrm>
+            <a:off x="8536302" y="4749851"/>
+            <a:ext cx="548700" cy="393600"/>
+          </a:xfrm>
+          <a:prstGeom prst="rect">
+            <a:avLst/>
+          </a:prstGeom>
+        </p:spPr>
+        <p:txBody>
+          <a:bodyPr anchorCtr="0" anchor="ctr" bIns="91425" lIns="91425" spcFirstLastPara="1" rIns="91425" wrap="square" tIns="91425">
+            <a:noAutofit/>
+          </a:bodyPr>
+          <a:lstStyle/>
+          <a:p>
+            <a:pPr indent="0" lvl="0" marL="0" rtl="0" algn="r">
+              <a:spcBef>
+                <a:spcPts val="0"/>
+              </a:spcBef>
+              <a:spcAft>
+                <a:spcPts val="0"/>
+              </a:spcAft>
+              <a:buNone/>
+            </a:pPr>
+            <a:fld id="{00000000-1234-1234-1234-123412341234}" type="slidenum">
+              <a:rPr lang="en"/>
+              <a:t>‹#›</a:t>
+            </a:fld>
+            <a:endParaRPr/>
           </a:p>
         </p:txBody>
       </p:sp>
@@ -16068,7 +16126,7 @@
         </p:nvSpPr>
         <p:spPr>
           <a:xfrm>
-            <a:off x="729450" y="609450"/>
+            <a:off x="727650" y="616625"/>
             <a:ext cx="7688700" cy="535200"/>
           </a:xfrm>
           <a:prstGeom prst="rect">
@@ -16081,7 +16139,7 @@
           </a:bodyPr>
           <a:lstStyle/>
           <a:p>
-            <a:pPr indent="0" lvl="0" marL="0">
+            <a:pPr indent="0" lvl="0" marL="0" rtl="0" algn="l">
               <a:spcBef>
                 <a:spcPts val="0"/>
               </a:spcBef>
@@ -16092,7 +16150,7 @@
             </a:pPr>
             <a:r>
               <a:rPr lang="en"/>
-              <a:t>Conclusion </a:t>
+              <a:t>Appendix</a:t>
             </a:r>
             <a:endParaRPr/>
           </a:p>
@@ -16108,8 +16166,8 @@
         </p:nvSpPr>
         <p:spPr>
           <a:xfrm>
-            <a:off x="729450" y="1310950"/>
-            <a:ext cx="7688700" cy="3345300"/>
+            <a:off x="729450" y="1441200"/>
+            <a:ext cx="7688700" cy="3387000"/>
           </a:xfrm>
           <a:prstGeom prst="rect">
             <a:avLst/>
@@ -16121,364 +16179,20 @@
           </a:bodyPr>
           <a:lstStyle/>
           <a:p>
-            <a:pPr indent="-304800" lvl="0" marL="457200" rtl="0">
-              <a:spcBef>
-                <a:spcPts val="0"/>
-              </a:spcBef>
-              <a:spcAft>
-                <a:spcPts val="0"/>
-              </a:spcAft>
-              <a:buClr>
-                <a:srgbClr val="000000"/>
-              </a:buClr>
-              <a:buSzPts val="1200"/>
-              <a:buChar char="★"/>
+            <a:pPr indent="0" lvl="0" marL="0" rtl="0" algn="l">
+              <a:spcBef>
+                <a:spcPts val="0"/>
+              </a:spcBef>
+              <a:spcAft>
+                <a:spcPts val="1600"/>
+              </a:spcAft>
+              <a:buNone/>
             </a:pPr>
             <a:r>
-              <a:rPr lang="en" sz="1200">
-                <a:solidFill>
-                  <a:srgbClr val="000000"/>
-                </a:solidFill>
-              </a:rPr>
-              <a:t>Main factors in predicting the number of people killed or injured:</a:t>
-            </a:r>
-            <a:endParaRPr sz="1200">
-              <a:solidFill>
-                <a:srgbClr val="000000"/>
-              </a:solidFill>
-            </a:endParaRPr>
-          </a:p>
-          <a:p>
-            <a:pPr indent="-304800" lvl="1" marL="914400" rtl="0">
-              <a:spcBef>
-                <a:spcPts val="0"/>
-              </a:spcBef>
-              <a:spcAft>
-                <a:spcPts val="0"/>
-              </a:spcAft>
-              <a:buClr>
-                <a:srgbClr val="000000"/>
-              </a:buClr>
-              <a:buSzPts val="1200"/>
-              <a:buChar char="○"/>
-            </a:pPr>
-            <a:r>
-              <a:rPr lang="en" sz="1200">
-                <a:solidFill>
-                  <a:srgbClr val="000000"/>
-                </a:solidFill>
-              </a:rPr>
-              <a:t>Incident characteristics (ex. ‘Shot - Dead’, ‘Shot - Wounded’, ‘Drive-by’, ‘Armed Robbery’)</a:t>
-            </a:r>
-            <a:endParaRPr sz="1200">
-              <a:solidFill>
-                <a:srgbClr val="000000"/>
-              </a:solidFill>
-            </a:endParaRPr>
-          </a:p>
-          <a:p>
-            <a:pPr indent="-304800" lvl="1" marL="914400" rtl="0">
-              <a:spcBef>
-                <a:spcPts val="0"/>
-              </a:spcBef>
-              <a:spcAft>
-                <a:spcPts val="0"/>
-              </a:spcAft>
-              <a:buClr>
-                <a:srgbClr val="000000"/>
-              </a:buClr>
-              <a:buSzPts val="1200"/>
-              <a:buChar char="○"/>
-            </a:pPr>
-            <a:r>
-              <a:rPr lang="en" sz="1200">
-                <a:solidFill>
-                  <a:srgbClr val="000000"/>
-                </a:solidFill>
-              </a:rPr>
-              <a:t>Number of adults involved (ages 18 and over)</a:t>
-            </a:r>
-            <a:endParaRPr sz="1200">
-              <a:solidFill>
-                <a:srgbClr val="000000"/>
-              </a:solidFill>
-            </a:endParaRPr>
-          </a:p>
-          <a:p>
-            <a:pPr indent="-304800" lvl="1" marL="914400" rtl="0">
-              <a:spcBef>
-                <a:spcPts val="0"/>
-              </a:spcBef>
-              <a:spcAft>
-                <a:spcPts val="0"/>
-              </a:spcAft>
-              <a:buClr>
-                <a:srgbClr val="000000"/>
-              </a:buClr>
-              <a:buSzPts val="1200"/>
-              <a:buChar char="○"/>
-            </a:pPr>
-            <a:r>
-              <a:rPr lang="en" sz="1200">
-                <a:solidFill>
-                  <a:srgbClr val="000000"/>
-                </a:solidFill>
-              </a:rPr>
-              <a:t>Number of females involved</a:t>
-            </a:r>
-            <a:endParaRPr sz="1200">
-              <a:solidFill>
-                <a:srgbClr val="000000"/>
-              </a:solidFill>
-            </a:endParaRPr>
-          </a:p>
-          <a:p>
-            <a:pPr indent="-304800" lvl="0" marL="457200" rtl="0">
-              <a:spcBef>
-                <a:spcPts val="0"/>
-              </a:spcBef>
-              <a:spcAft>
-                <a:spcPts val="0"/>
-              </a:spcAft>
-              <a:buClr>
-                <a:srgbClr val="000000"/>
-              </a:buClr>
-              <a:buSzPts val="1200"/>
-              <a:buChar char="★"/>
-            </a:pPr>
-            <a:r>
-              <a:rPr lang="en" sz="1200">
-                <a:solidFill>
-                  <a:srgbClr val="000000"/>
-                </a:solidFill>
-              </a:rPr>
-              <a:t>Recommendations:</a:t>
-            </a:r>
-            <a:endParaRPr sz="1200">
-              <a:solidFill>
-                <a:srgbClr val="000000"/>
-              </a:solidFill>
-            </a:endParaRPr>
-          </a:p>
-          <a:p>
-            <a:pPr indent="-304800" lvl="1" marL="914400" rtl="0">
-              <a:spcBef>
-                <a:spcPts val="0"/>
-              </a:spcBef>
-              <a:spcAft>
-                <a:spcPts val="0"/>
-              </a:spcAft>
-              <a:buClr>
-                <a:srgbClr val="000000"/>
-              </a:buClr>
-              <a:buSzPts val="1200"/>
-              <a:buChar char="○"/>
-            </a:pPr>
-            <a:r>
-              <a:rPr lang="en" sz="1200">
-                <a:solidFill>
-                  <a:srgbClr val="000000"/>
-                </a:solidFill>
-              </a:rPr>
-              <a:t>Use incident characteristics to identify patterns regarding the shooting incidents.</a:t>
-            </a:r>
-            <a:endParaRPr sz="1200">
-              <a:solidFill>
-                <a:srgbClr val="000000"/>
-              </a:solidFill>
-            </a:endParaRPr>
-          </a:p>
-          <a:p>
-            <a:pPr indent="-304800" lvl="1" marL="914400" rtl="0">
-              <a:spcBef>
-                <a:spcPts val="0"/>
-              </a:spcBef>
-              <a:spcAft>
-                <a:spcPts val="0"/>
-              </a:spcAft>
-              <a:buClr>
-                <a:srgbClr val="000000"/>
-              </a:buClr>
-              <a:buSzPts val="1200"/>
-              <a:buChar char="○"/>
-            </a:pPr>
-            <a:r>
-              <a:rPr lang="en" sz="1200">
-                <a:solidFill>
-                  <a:srgbClr val="000000"/>
-                </a:solidFill>
-              </a:rPr>
-              <a:t>Females are involved </a:t>
-            </a:r>
-            <a:r>
-              <a:rPr lang="en" sz="1200">
-                <a:solidFill>
-                  <a:srgbClr val="000000"/>
-                </a:solidFill>
-              </a:rPr>
-              <a:t>significantly</a:t>
-            </a:r>
-            <a:r>
-              <a:rPr lang="en" sz="1200">
-                <a:solidFill>
-                  <a:srgbClr val="000000"/>
-                </a:solidFill>
-              </a:rPr>
-              <a:t> less in shooting incidents than males but their presence correlates to higher </a:t>
-            </a:r>
-            <a:r>
-              <a:rPr lang="en" sz="1200">
-                <a:solidFill>
-                  <a:srgbClr val="000000"/>
-                </a:solidFill>
-              </a:rPr>
-              <a:t>injury</a:t>
-            </a:r>
-            <a:r>
-              <a:rPr lang="en" sz="1200">
-                <a:solidFill>
-                  <a:srgbClr val="000000"/>
-                </a:solidFill>
-              </a:rPr>
-              <a:t> and death counts. </a:t>
-            </a:r>
-            <a:endParaRPr sz="1200">
-              <a:solidFill>
-                <a:srgbClr val="000000"/>
-              </a:solidFill>
-            </a:endParaRPr>
-          </a:p>
-          <a:p>
-            <a:pPr indent="-304800" lvl="0" marL="457200" marR="0" rtl="0" algn="l">
-              <a:lnSpc>
-                <a:spcPct val="115000"/>
-              </a:lnSpc>
-              <a:spcBef>
-                <a:spcPts val="0"/>
-              </a:spcBef>
-              <a:spcAft>
-                <a:spcPts val="0"/>
-              </a:spcAft>
-              <a:buClr>
-                <a:srgbClr val="000000"/>
-              </a:buClr>
-              <a:buSzPts val="1200"/>
-              <a:buFont typeface="Lato"/>
-              <a:buChar char="★"/>
-            </a:pPr>
-            <a:r>
-              <a:rPr lang="en" sz="1200">
-                <a:solidFill>
-                  <a:srgbClr val="000000"/>
-                </a:solidFill>
-              </a:rPr>
-              <a:t>Next Steps:</a:t>
-            </a:r>
-            <a:endParaRPr sz="1200">
-              <a:solidFill>
-                <a:srgbClr val="000000"/>
-              </a:solidFill>
-            </a:endParaRPr>
-          </a:p>
-          <a:p>
-            <a:pPr indent="-304800" lvl="1" marL="914400" rtl="0">
-              <a:spcBef>
-                <a:spcPts val="0"/>
-              </a:spcBef>
-              <a:spcAft>
-                <a:spcPts val="0"/>
-              </a:spcAft>
-              <a:buClr>
-                <a:srgbClr val="000000"/>
-              </a:buClr>
-              <a:buSzPts val="1200"/>
-              <a:buChar char="○"/>
-            </a:pPr>
-            <a:r>
-              <a:rPr lang="en" sz="1200">
-                <a:solidFill>
-                  <a:srgbClr val="000000"/>
-                </a:solidFill>
-              </a:rPr>
-              <a:t>Use classification models (ex. Logistic Regression) to classify incidents based on thresholds (ex. Incidents with 2+ deaths vs incidents with 0 or 1 deaths)</a:t>
-            </a:r>
-            <a:endParaRPr sz="1200">
-              <a:solidFill>
-                <a:srgbClr val="000000"/>
-              </a:solidFill>
-            </a:endParaRPr>
-          </a:p>
-          <a:p>
-            <a:pPr indent="-304800" lvl="1" marL="914400" rtl="0">
-              <a:spcBef>
-                <a:spcPts val="0"/>
-              </a:spcBef>
-              <a:spcAft>
-                <a:spcPts val="0"/>
-              </a:spcAft>
-              <a:buClr>
-                <a:srgbClr val="000000"/>
-              </a:buClr>
-              <a:buSzPts val="1200"/>
-              <a:buChar char="○"/>
-            </a:pPr>
-            <a:r>
-              <a:rPr lang="en" sz="1200">
-                <a:solidFill>
-                  <a:srgbClr val="000000"/>
-                </a:solidFill>
-              </a:rPr>
-              <a:t>Find other datasets that contain more information regarding the gun types that were used by shooters.</a:t>
-            </a:r>
-            <a:endParaRPr sz="1200">
-              <a:solidFill>
-                <a:srgbClr val="000000"/>
-              </a:solidFill>
-            </a:endParaRPr>
-          </a:p>
-          <a:p>
-            <a:pPr indent="-304800" lvl="1" marL="914400">
-              <a:spcBef>
-                <a:spcPts val="0"/>
-              </a:spcBef>
-              <a:spcAft>
-                <a:spcPts val="0"/>
-              </a:spcAft>
-              <a:buClr>
-                <a:srgbClr val="000000"/>
-              </a:buClr>
-              <a:buSzPts val="1200"/>
-              <a:buChar char="○"/>
-            </a:pPr>
-            <a:r>
-              <a:rPr lang="en" sz="1200">
-                <a:solidFill>
-                  <a:srgbClr val="000000"/>
-                </a:solidFill>
-              </a:rPr>
-              <a:t>Analyze other big cities such as New York and Los </a:t>
-            </a:r>
-            <a:r>
-              <a:rPr lang="en" sz="1200">
-                <a:solidFill>
-                  <a:srgbClr val="000000"/>
-                </a:solidFill>
-              </a:rPr>
-              <a:t>Angeles</a:t>
-            </a:r>
-            <a:r>
-              <a:rPr lang="en" sz="1200">
-                <a:solidFill>
-                  <a:srgbClr val="000000"/>
-                </a:solidFill>
-              </a:rPr>
-              <a:t>. </a:t>
-            </a:r>
-            <a:endParaRPr sz="1200">
-              <a:solidFill>
-                <a:srgbClr val="000000"/>
-              </a:solidFill>
-            </a:endParaRPr>
+              <a:rPr lang="en" sz="1000"/>
+              <a:t>1. https://www.thetrace.org/rounds/gun-deaths-increase-2017/</a:t>
+            </a:r>
+            <a:endParaRPr sz="1000"/>
           </a:p>
         </p:txBody>
       </p:sp>
@@ -16505,7 +16219,7 @@
           </a:bodyPr>
           <a:lstStyle/>
           <a:p>
-            <a:pPr indent="0" lvl="0" marL="0">
+            <a:pPr indent="0" lvl="0" marL="0" rtl="0" algn="r">
               <a:spcBef>
                 <a:spcPts val="0"/>
               </a:spcBef>
@@ -16570,7 +16284,7 @@
           </a:bodyPr>
           <a:lstStyle/>
           <a:p>
-            <a:pPr indent="0" lvl="0" marL="0">
+            <a:pPr indent="0" lvl="0" marL="0" rtl="0" algn="l">
               <a:spcBef>
                 <a:spcPts val="0"/>
               </a:spcBef>
@@ -16610,7 +16324,7 @@
           </a:bodyPr>
           <a:lstStyle/>
           <a:p>
-            <a:pPr indent="0" lvl="0" marL="0" rtl="0">
+            <a:pPr indent="0" lvl="0" marL="0" rtl="0" algn="l">
               <a:spcBef>
                 <a:spcPts val="0"/>
               </a:spcBef>
@@ -16792,7 +16506,7 @@
           </a:bodyPr>
           <a:lstStyle/>
           <a:p>
-            <a:pPr indent="0" lvl="0" marL="0">
+            <a:pPr indent="0" lvl="0" marL="0" rtl="0" algn="r">
               <a:spcBef>
                 <a:spcPts val="0"/>
               </a:spcBef>
@@ -16834,7 +16548,7 @@
           </a:bodyPr>
           <a:lstStyle/>
           <a:p>
-            <a:pPr indent="0" lvl="0" marL="0" rtl="0">
+            <a:pPr indent="0" lvl="0" marL="0" rtl="0" algn="l">
               <a:lnSpc>
                 <a:spcPct val="115000"/>
               </a:lnSpc>
@@ -17014,151 +16728,6 @@
               <a:cs typeface="Lato"/>
               <a:sym typeface="Lato"/>
             </a:endParaRPr>
-          </a:p>
-        </p:txBody>
-      </p:sp>
-    </p:spTree>
-  </p:cSld>
-  <p:clrMapOvr>
-    <a:masterClrMapping/>
-  </p:clrMapOvr>
-</p:sld>
-</file>
-
-<file path=ppt/slides/slide20.xml><?xml version="1.0" encoding="utf-8"?>
-<p:sld xmlns:a="http://schemas.openxmlformats.org/drawingml/2006/main" xmlns:r="http://schemas.openxmlformats.org/officeDocument/2006/relationships" xmlns:mc="http://schemas.openxmlformats.org/markup-compatibility/2006" xmlns:mv="urn:schemas-microsoft-com:mac:vml" xmlns:p="http://schemas.openxmlformats.org/presentationml/2006/main" xmlns:c="http://schemas.openxmlformats.org/drawingml/2006/chart" xmlns:dgm="http://schemas.openxmlformats.org/drawingml/2006/diagram" xmlns:o="urn:schemas-microsoft-com:office:office" xmlns:v="urn:schemas-microsoft-com:vml" xmlns:pvml="urn:schemas-microsoft-com:office:powerpoint" xmlns:com="http://schemas.openxmlformats.org/drawingml/2006/compatibility" xmlns:p14="http://schemas.microsoft.com/office/powerpoint/2010/main" xmlns:p15="http://schemas.microsoft.com/office/powerpoint/2012/main">
-  <p:cSld>
-    <p:spTree>
-      <p:nvGrpSpPr>
-        <p:cNvPr id="246" name="Shape 246"/>
-        <p:cNvGrpSpPr/>
-        <p:nvPr/>
-      </p:nvGrpSpPr>
-      <p:grpSpPr>
-        <a:xfrm>
-          <a:off x="0" y="0"/>
-          <a:ext cx="0" cy="0"/>
-          <a:chOff x="0" y="0"/>
-          <a:chExt cx="0" cy="0"/>
-        </a:xfrm>
-      </p:grpSpPr>
-      <p:sp>
-        <p:nvSpPr>
-          <p:cNvPr id="247" name="Google Shape;247;p32"/>
-          <p:cNvSpPr txBox="1"/>
-          <p:nvPr>
-            <p:ph type="title"/>
-          </p:nvPr>
-        </p:nvSpPr>
-        <p:spPr>
-          <a:xfrm>
-            <a:off x="727650" y="616625"/>
-            <a:ext cx="7688700" cy="535200"/>
-          </a:xfrm>
-          <a:prstGeom prst="rect">
-            <a:avLst/>
-          </a:prstGeom>
-        </p:spPr>
-        <p:txBody>
-          <a:bodyPr anchorCtr="0" anchor="t" bIns="91425" lIns="91425" spcFirstLastPara="1" rIns="91425" wrap="square" tIns="91425">
-            <a:noAutofit/>
-          </a:bodyPr>
-          <a:lstStyle/>
-          <a:p>
-            <a:pPr indent="0" lvl="0" marL="0">
-              <a:spcBef>
-                <a:spcPts val="0"/>
-              </a:spcBef>
-              <a:spcAft>
-                <a:spcPts val="0"/>
-              </a:spcAft>
-              <a:buNone/>
-            </a:pPr>
-            <a:r>
-              <a:rPr lang="en"/>
-              <a:t>Appendix</a:t>
-            </a:r>
-            <a:endParaRPr/>
-          </a:p>
-        </p:txBody>
-      </p:sp>
-      <p:sp>
-        <p:nvSpPr>
-          <p:cNvPr id="248" name="Google Shape;248;p32"/>
-          <p:cNvSpPr txBox="1"/>
-          <p:nvPr>
-            <p:ph idx="1" type="body"/>
-          </p:nvPr>
-        </p:nvSpPr>
-        <p:spPr>
-          <a:xfrm>
-            <a:off x="729450" y="1441200"/>
-            <a:ext cx="7688700" cy="3387000"/>
-          </a:xfrm>
-          <a:prstGeom prst="rect">
-            <a:avLst/>
-          </a:prstGeom>
-        </p:spPr>
-        <p:txBody>
-          <a:bodyPr anchorCtr="0" anchor="t" bIns="91425" lIns="91425" spcFirstLastPara="1" rIns="91425" wrap="square" tIns="91425">
-            <a:noAutofit/>
-          </a:bodyPr>
-          <a:lstStyle/>
-          <a:p>
-            <a:pPr indent="0" lvl="0" marL="0">
-              <a:spcBef>
-                <a:spcPts val="0"/>
-              </a:spcBef>
-              <a:spcAft>
-                <a:spcPts val="1600"/>
-              </a:spcAft>
-              <a:buNone/>
-            </a:pPr>
-            <a:r>
-              <a:rPr lang="en" sz="1000"/>
-              <a:t>1. https://www.thetrace.org/rounds/gun-deaths-increase-2017/</a:t>
-            </a:r>
-            <a:endParaRPr sz="1000"/>
-          </a:p>
-        </p:txBody>
-      </p:sp>
-      <p:sp>
-        <p:nvSpPr>
-          <p:cNvPr id="249" name="Google Shape;249;p32"/>
-          <p:cNvSpPr txBox="1"/>
-          <p:nvPr>
-            <p:ph idx="12" type="sldNum"/>
-          </p:nvPr>
-        </p:nvSpPr>
-        <p:spPr>
-          <a:xfrm>
-            <a:off x="8536302" y="4749851"/>
-            <a:ext cx="548700" cy="393600"/>
-          </a:xfrm>
-          <a:prstGeom prst="rect">
-            <a:avLst/>
-          </a:prstGeom>
-        </p:spPr>
-        <p:txBody>
-          <a:bodyPr anchorCtr="0" anchor="ctr" bIns="91425" lIns="91425" spcFirstLastPara="1" rIns="91425" wrap="square" tIns="91425">
-            <a:noAutofit/>
-          </a:bodyPr>
-          <a:lstStyle/>
-          <a:p>
-            <a:pPr indent="0" lvl="0" marL="0">
-              <a:spcBef>
-                <a:spcPts val="0"/>
-              </a:spcBef>
-              <a:spcAft>
-                <a:spcPts val="0"/>
-              </a:spcAft>
-              <a:buNone/>
-            </a:pPr>
-            <a:fld id="{00000000-1234-1234-1234-123412341234}" type="slidenum">
-              <a:rPr lang="en"/>
-              <a:t>‹#›</a:t>
-            </a:fld>
-            <a:endParaRPr/>
           </a:p>
         </p:txBody>
       </p:sp>
@@ -17210,7 +16779,7 @@
           </a:bodyPr>
           <a:lstStyle/>
           <a:p>
-            <a:pPr indent="0" lvl="0" marL="0">
+            <a:pPr indent="0" lvl="0" marL="0" rtl="0" algn="l">
               <a:spcBef>
                 <a:spcPts val="0"/>
               </a:spcBef>
@@ -17250,7 +16819,7 @@
           </a:bodyPr>
           <a:lstStyle/>
           <a:p>
-            <a:pPr indent="-317500" lvl="0" marL="457200" rtl="0">
+            <a:pPr indent="-317500" lvl="0" marL="457200" rtl="0" algn="l">
               <a:spcBef>
                 <a:spcPts val="0"/>
               </a:spcBef>
@@ -17293,7 +16862,7 @@
             </a:endParaRPr>
           </a:p>
           <a:p>
-            <a:pPr indent="-317500" lvl="1" marL="914400" rtl="0">
+            <a:pPr indent="-317500" lvl="1" marL="914400" rtl="0" algn="l">
               <a:spcBef>
                 <a:spcPts val="0"/>
               </a:spcBef>
@@ -17336,7 +16905,7 @@
             </a:endParaRPr>
           </a:p>
           <a:p>
-            <a:pPr indent="-317500" lvl="1" marL="914400" rtl="0">
+            <a:pPr indent="-317500" lvl="1" marL="914400" rtl="0" algn="l">
               <a:spcBef>
                 <a:spcPts val="0"/>
               </a:spcBef>
@@ -17469,7 +17038,7 @@
             </a:endParaRPr>
           </a:p>
           <a:p>
-            <a:pPr indent="-317500" lvl="0" marL="457200" rtl="0">
+            <a:pPr indent="-317500" lvl="0" marL="457200" rtl="0" algn="l">
               <a:spcBef>
                 <a:spcPts val="0"/>
               </a:spcBef>
@@ -17512,7 +17081,7 @@
             </a:endParaRPr>
           </a:p>
           <a:p>
-            <a:pPr indent="-317500" lvl="1" marL="914400" rtl="0">
+            <a:pPr indent="-317500" lvl="1" marL="914400" rtl="0" algn="l">
               <a:spcBef>
                 <a:spcPts val="0"/>
               </a:spcBef>
@@ -17555,7 +17124,7 @@
             </a:endParaRPr>
           </a:p>
           <a:p>
-            <a:pPr indent="-317500" lvl="1" marL="914400" rtl="0">
+            <a:pPr indent="-317500" lvl="1" marL="914400" rtl="0" algn="l">
               <a:spcBef>
                 <a:spcPts val="0"/>
               </a:spcBef>
@@ -17622,7 +17191,7 @@
           </a:bodyPr>
           <a:lstStyle/>
           <a:p>
-            <a:pPr indent="0" lvl="0" marL="0">
+            <a:pPr indent="0" lvl="0" marL="0" rtl="0" algn="r">
               <a:spcBef>
                 <a:spcPts val="0"/>
               </a:spcBef>
@@ -17687,7 +17256,7 @@
           </a:bodyPr>
           <a:lstStyle/>
           <a:p>
-            <a:pPr indent="0" lvl="0" marL="0">
+            <a:pPr indent="0" lvl="0" marL="0" rtl="0" algn="l">
               <a:spcBef>
                 <a:spcPts val="0"/>
               </a:spcBef>
@@ -17727,7 +17296,7 @@
           </a:bodyPr>
           <a:lstStyle/>
           <a:p>
-            <a:pPr indent="-317500" lvl="0" marL="457200" rtl="0">
+            <a:pPr indent="-317500" lvl="0" marL="457200" rtl="0" algn="l">
               <a:spcBef>
                 <a:spcPts val="0"/>
               </a:spcBef>
@@ -17792,7 +17361,7 @@
             </a:endParaRPr>
           </a:p>
           <a:p>
-            <a:pPr indent="-317500" lvl="1" marL="914400" rtl="0">
+            <a:pPr indent="-317500" lvl="1" marL="914400" rtl="0" algn="l">
               <a:spcBef>
                 <a:spcPts val="0"/>
               </a:spcBef>
@@ -17835,7 +17404,7 @@
             </a:endParaRPr>
           </a:p>
           <a:p>
-            <a:pPr indent="-317500" lvl="1" marL="914400" rtl="0">
+            <a:pPr indent="-317500" lvl="1" marL="914400" rtl="0" algn="l">
               <a:spcBef>
                 <a:spcPts val="0"/>
               </a:spcBef>
@@ -17878,7 +17447,7 @@
             </a:endParaRPr>
           </a:p>
           <a:p>
-            <a:pPr indent="-317500" lvl="0" marL="457200" rtl="0">
+            <a:pPr indent="-317500" lvl="0" marL="457200" rtl="0" algn="l">
               <a:spcBef>
                 <a:spcPts val="0"/>
               </a:spcBef>
@@ -17906,7 +17475,7 @@
             </a:endParaRPr>
           </a:p>
           <a:p>
-            <a:pPr indent="-317500" lvl="1" marL="914400" rtl="0">
+            <a:pPr indent="-317500" lvl="1" marL="914400" rtl="0" algn="l">
               <a:spcBef>
                 <a:spcPts val="0"/>
               </a:spcBef>
@@ -17934,7 +17503,7 @@
             </a:endParaRPr>
           </a:p>
           <a:p>
-            <a:pPr indent="-317500" lvl="1" marL="914400" rtl="0">
+            <a:pPr indent="-317500" lvl="1" marL="914400" rtl="0" algn="l">
               <a:spcBef>
                 <a:spcPts val="0"/>
               </a:spcBef>
@@ -17962,7 +17531,7 @@
             </a:endParaRPr>
           </a:p>
           <a:p>
-            <a:pPr indent="-317500" lvl="0" marL="457200" rtl="0">
+            <a:pPr indent="-317500" lvl="0" marL="457200" rtl="0" algn="l">
               <a:spcBef>
                 <a:spcPts val="0"/>
               </a:spcBef>
@@ -17990,7 +17559,7 @@
             </a:endParaRPr>
           </a:p>
           <a:p>
-            <a:pPr indent="-317500" lvl="1" marL="914400" rtl="0">
+            <a:pPr indent="-317500" lvl="1" marL="914400" rtl="0" algn="l">
               <a:spcBef>
                 <a:spcPts val="0"/>
               </a:spcBef>
@@ -18018,7 +17587,7 @@
             </a:endParaRPr>
           </a:p>
           <a:p>
-            <a:pPr indent="-317500" lvl="1" marL="914400" rtl="0">
+            <a:pPr indent="-317500" lvl="1" marL="914400" rtl="0" algn="l">
               <a:spcBef>
                 <a:spcPts val="0"/>
               </a:spcBef>
@@ -18070,7 +17639,7 @@
           </a:bodyPr>
           <a:lstStyle/>
           <a:p>
-            <a:pPr indent="0" lvl="0" marL="0">
+            <a:pPr indent="0" lvl="0" marL="0" rtl="0" algn="r">
               <a:spcBef>
                 <a:spcPts val="0"/>
               </a:spcBef>
@@ -18135,7 +17704,7 @@
           </a:bodyPr>
           <a:lstStyle/>
           <a:p>
-            <a:pPr indent="0" lvl="0" marL="0">
+            <a:pPr indent="0" lvl="0" marL="0" rtl="0" algn="l">
               <a:spcBef>
                 <a:spcPts val="0"/>
               </a:spcBef>
@@ -18175,7 +17744,7 @@
           </a:bodyPr>
           <a:lstStyle/>
           <a:p>
-            <a:pPr indent="-317500" lvl="0" marL="457200" rtl="0">
+            <a:pPr indent="-317500" lvl="0" marL="457200" rtl="0" algn="l">
               <a:spcBef>
                 <a:spcPts val="0"/>
               </a:spcBef>
@@ -18212,7 +17781,7 @@
             </a:endParaRPr>
           </a:p>
           <a:p>
-            <a:pPr indent="-317500" lvl="0" marL="457200" rtl="0">
+            <a:pPr indent="-317500" lvl="0" marL="457200" rtl="0" algn="l">
               <a:spcBef>
                 <a:spcPts val="0"/>
               </a:spcBef>
@@ -18249,7 +17818,7 @@
             </a:endParaRPr>
           </a:p>
           <a:p>
-            <a:pPr indent="-317500" lvl="0" marL="457200" rtl="0">
+            <a:pPr indent="-317500" lvl="0" marL="457200" rtl="0" algn="l">
               <a:spcBef>
                 <a:spcPts val="0"/>
               </a:spcBef>
@@ -18277,7 +17846,7 @@
             </a:endParaRPr>
           </a:p>
           <a:p>
-            <a:pPr indent="-317500" lvl="0" marL="457200" rtl="0">
+            <a:pPr indent="-317500" lvl="0" marL="457200" rtl="0" algn="l">
               <a:spcBef>
                 <a:spcPts val="0"/>
               </a:spcBef>
@@ -18305,7 +17874,7 @@
             </a:endParaRPr>
           </a:p>
           <a:p>
-            <a:pPr indent="-317500" lvl="0" marL="457200" rtl="0">
+            <a:pPr indent="-317500" lvl="0" marL="457200" rtl="0" algn="l">
               <a:spcBef>
                 <a:spcPts val="0"/>
               </a:spcBef>
@@ -18357,7 +17926,7 @@
           </a:bodyPr>
           <a:lstStyle/>
           <a:p>
-            <a:pPr indent="0" lvl="0" marL="0">
+            <a:pPr indent="0" lvl="0" marL="0" rtl="0" algn="r">
               <a:spcBef>
                 <a:spcPts val="0"/>
               </a:spcBef>
@@ -18450,7 +18019,7 @@
           </a:bodyPr>
           <a:lstStyle/>
           <a:p>
-            <a:pPr indent="0" lvl="0" marL="0">
+            <a:pPr indent="0" lvl="0" marL="0" rtl="0" algn="l">
               <a:spcBef>
                 <a:spcPts val="0"/>
               </a:spcBef>
@@ -18490,7 +18059,7 @@
           </a:bodyPr>
           <a:lstStyle/>
           <a:p>
-            <a:pPr indent="0" lvl="0" marL="0" rtl="0">
+            <a:pPr indent="0" lvl="0" marL="0" rtl="0" algn="l">
               <a:spcBef>
                 <a:spcPts val="0"/>
               </a:spcBef>
@@ -19154,7 +18723,7 @@
             </a:endParaRPr>
           </a:p>
           <a:p>
-            <a:pPr indent="0" lvl="0" marL="0">
+            <a:pPr indent="0" lvl="0" marL="0" rtl="0" algn="l">
               <a:spcBef>
                 <a:spcPts val="1600"/>
               </a:spcBef>
@@ -19204,7 +18773,7 @@
           </a:bodyPr>
           <a:lstStyle/>
           <a:p>
-            <a:pPr indent="0" lvl="0" marL="0">
+            <a:pPr indent="0" lvl="0" marL="0" rtl="0" algn="r">
               <a:spcBef>
                 <a:spcPts val="0"/>
               </a:spcBef>
@@ -19246,7 +18815,7 @@
           </a:bodyPr>
           <a:lstStyle/>
           <a:p>
-            <a:pPr indent="0" lvl="0" marL="0" rtl="0">
+            <a:pPr indent="0" lvl="0" marL="0" rtl="0" algn="l">
               <a:lnSpc>
                 <a:spcPct val="115000"/>
               </a:lnSpc>
@@ -19922,7 +19491,7 @@
             </a:endParaRPr>
           </a:p>
           <a:p>
-            <a:pPr indent="0" lvl="0" marL="0">
+            <a:pPr indent="0" lvl="0" marL="0" rtl="0" algn="l">
               <a:spcBef>
                 <a:spcPts val="1600"/>
               </a:spcBef>
@@ -19986,7 +19555,7 @@
           </a:bodyPr>
           <a:lstStyle/>
           <a:p>
-            <a:pPr indent="0" lvl="0" marL="0">
+            <a:pPr indent="0" lvl="0" marL="0" rtl="0" algn="l">
               <a:spcBef>
                 <a:spcPts val="0"/>
               </a:spcBef>
@@ -20026,7 +19595,7 @@
           </a:bodyPr>
           <a:lstStyle/>
           <a:p>
-            <a:pPr indent="-304800" lvl="0" marL="457200" rtl="0">
+            <a:pPr indent="-304800" lvl="0" marL="457200" rtl="0" algn="l">
               <a:spcBef>
                 <a:spcPts val="0"/>
               </a:spcBef>
@@ -20054,7 +19623,7 @@
             </a:endParaRPr>
           </a:p>
           <a:p>
-            <a:pPr indent="-304800" lvl="0" marL="457200" rtl="0">
+            <a:pPr indent="-304800" lvl="0" marL="457200" rtl="0" algn="l">
               <a:spcBef>
                 <a:spcPts val="0"/>
               </a:spcBef>
@@ -20082,7 +19651,7 @@
             </a:endParaRPr>
           </a:p>
           <a:p>
-            <a:pPr indent="-304800" lvl="0" marL="457200" rtl="0">
+            <a:pPr indent="-304800" lvl="0" marL="457200" rtl="0" algn="l">
               <a:spcBef>
                 <a:spcPts val="0"/>
               </a:spcBef>
@@ -20110,7 +19679,7 @@
             </a:endParaRPr>
           </a:p>
           <a:p>
-            <a:pPr indent="-304800" lvl="0" marL="457200" rtl="0">
+            <a:pPr indent="-304800" lvl="0" marL="457200" rtl="0" algn="l">
               <a:spcBef>
                 <a:spcPts val="0"/>
               </a:spcBef>
@@ -20138,7 +19707,7 @@
             </a:endParaRPr>
           </a:p>
           <a:p>
-            <a:pPr indent="-304800" lvl="0" marL="457200" rtl="0">
+            <a:pPr indent="-304800" lvl="0" marL="457200" rtl="0" algn="l">
               <a:spcBef>
                 <a:spcPts val="0"/>
               </a:spcBef>
@@ -20182,7 +19751,7 @@
             </a:endParaRPr>
           </a:p>
           <a:p>
-            <a:pPr indent="-304800" lvl="0" marL="457200" rtl="0">
+            <a:pPr indent="-304800" lvl="0" marL="457200" rtl="0" algn="l">
               <a:spcBef>
                 <a:spcPts val="0"/>
               </a:spcBef>
@@ -20210,7 +19779,7 @@
             </a:endParaRPr>
           </a:p>
           <a:p>
-            <a:pPr indent="-304800" lvl="0" marL="457200" rtl="0">
+            <a:pPr indent="-304800" lvl="0" marL="457200" rtl="0" algn="l">
               <a:spcBef>
                 <a:spcPts val="0"/>
               </a:spcBef>
@@ -20229,7 +19798,7 @@
                   <a:srgbClr val="000000"/>
                 </a:solidFill>
               </a:rPr>
-              <a:t>Create 2 columns for the first 2 incident characteristics from each row </a:t>
+              <a:t>Remove incident characteristics due to data leakage</a:t>
             </a:r>
             <a:endParaRPr sz="1200">
               <a:solidFill>
@@ -20238,7 +19807,7 @@
             </a:endParaRPr>
           </a:p>
           <a:p>
-            <a:pPr indent="-304800" lvl="0" marL="457200" rtl="0">
+            <a:pPr indent="-304800" lvl="0" marL="457200" rtl="0" algn="l">
               <a:spcBef>
                 <a:spcPts val="0"/>
               </a:spcBef>
@@ -20266,7 +19835,7 @@
             </a:endParaRPr>
           </a:p>
           <a:p>
-            <a:pPr indent="-304800" lvl="0" marL="457200">
+            <a:pPr indent="-304800" lvl="0" marL="457200" rtl="0" algn="l">
               <a:spcBef>
                 <a:spcPts val="0"/>
               </a:spcBef>
@@ -20334,7 +19903,7 @@
           </a:bodyPr>
           <a:lstStyle/>
           <a:p>
-            <a:pPr indent="0" lvl="0" marL="0">
+            <a:pPr indent="0" lvl="0" marL="0" rtl="0" algn="r">
               <a:spcBef>
                 <a:spcPts val="0"/>
               </a:spcBef>
@@ -20367,8 +19936,8 @@
         </p:blipFill>
         <p:spPr>
           <a:xfrm>
-            <a:off x="5118550" y="1166125"/>
-            <a:ext cx="3652850" cy="3583725"/>
+            <a:off x="4939425" y="1318525"/>
+            <a:ext cx="3601125" cy="3094275"/>
           </a:xfrm>
           <a:prstGeom prst="rect">
             <a:avLst/>
@@ -20427,7 +19996,7 @@
           </a:bodyPr>
           <a:lstStyle/>
           <a:p>
-            <a:pPr indent="0" lvl="0" marL="0">
+            <a:pPr indent="0" lvl="0" marL="0" rtl="0" algn="l">
               <a:spcBef>
                 <a:spcPts val="0"/>
               </a:spcBef>
@@ -20467,7 +20036,7 @@
           </a:bodyPr>
           <a:lstStyle/>
           <a:p>
-            <a:pPr indent="-304800" lvl="0" marL="457200" rtl="0">
+            <a:pPr indent="-304800" lvl="0" marL="457200" rtl="0" algn="l">
               <a:spcBef>
                 <a:spcPts val="0"/>
               </a:spcBef>
@@ -20503,7 +20072,7 @@
             </a:endParaRPr>
           </a:p>
           <a:p>
-            <a:pPr indent="-304800" lvl="0" marL="457200" rtl="0">
+            <a:pPr indent="-304800" lvl="0" marL="457200" rtl="0" algn="l">
               <a:spcBef>
                 <a:spcPts val="0"/>
               </a:spcBef>
@@ -20557,7 +20126,7 @@
           </a:bodyPr>
           <a:lstStyle/>
           <a:p>
-            <a:pPr indent="0" lvl="0" marL="0">
+            <a:pPr indent="0" lvl="0" marL="0" rtl="0" algn="r">
               <a:spcBef>
                 <a:spcPts val="0"/>
               </a:spcBef>
@@ -20627,7 +20196,7 @@
           </a:bodyPr>
           <a:lstStyle/>
           <a:p>
-            <a:pPr indent="-304800" lvl="0" marL="457200" rtl="0">
+            <a:pPr indent="-304800" lvl="0" marL="457200" rtl="0" algn="l">
               <a:spcBef>
                 <a:spcPts val="0"/>
               </a:spcBef>
@@ -20673,7 +20242,7 @@
             </a:endParaRPr>
           </a:p>
           <a:p>
-            <a:pPr indent="-304800" lvl="0" marL="457200">
+            <a:pPr indent="-304800" lvl="0" marL="457200" rtl="0" algn="l">
               <a:spcBef>
                 <a:spcPts val="0"/>
               </a:spcBef>
@@ -20778,7 +20347,7 @@
           </a:bodyPr>
           <a:lstStyle/>
           <a:p>
-            <a:pPr indent="0" lvl="0" marL="0">
+            <a:pPr indent="0" lvl="0" marL="0" rtl="0" algn="l">
               <a:spcBef>
                 <a:spcPts val="0"/>
               </a:spcBef>
@@ -20818,7 +20387,7 @@
           </a:bodyPr>
           <a:lstStyle/>
           <a:p>
-            <a:pPr indent="-304800" lvl="0" marL="457200" rtl="0">
+            <a:pPr indent="-304800" lvl="0" marL="457200" rtl="0" algn="l">
               <a:spcBef>
                 <a:spcPts val="0"/>
               </a:spcBef>
@@ -20854,7 +20423,7 @@
             </a:endParaRPr>
           </a:p>
           <a:p>
-            <a:pPr indent="-304800" lvl="0" marL="457200">
+            <a:pPr indent="-304800" lvl="0" marL="457200" rtl="0" algn="l">
               <a:spcBef>
                 <a:spcPts val="0"/>
               </a:spcBef>
@@ -20906,7 +20475,7 @@
           </a:bodyPr>
           <a:lstStyle/>
           <a:p>
-            <a:pPr indent="0" lvl="0" marL="0">
+            <a:pPr indent="0" lvl="0" marL="0" rtl="0" algn="r">
               <a:spcBef>
                 <a:spcPts val="0"/>
               </a:spcBef>
@@ -20976,7 +20545,7 @@
           </a:bodyPr>
           <a:lstStyle/>
           <a:p>
-            <a:pPr indent="-304800" lvl="0" marL="457200" rtl="0">
+            <a:pPr indent="-304800" lvl="0" marL="457200" rtl="0" algn="l">
               <a:spcBef>
                 <a:spcPts val="0"/>
               </a:spcBef>
@@ -21012,7 +20581,7 @@
             </a:endParaRPr>
           </a:p>
           <a:p>
-            <a:pPr indent="-304800" lvl="0" marL="457200">
+            <a:pPr indent="-304800" lvl="0" marL="457200" rtl="0" algn="l">
               <a:spcBef>
                 <a:spcPts val="0"/>
               </a:spcBef>
